--- a/27_Use CSS.pptx
+++ b/27_Use CSS.pptx
@@ -15,7 +15,13 @@
     <p:sldId id="454" r:id="rId9"/>
     <p:sldId id="458" r:id="rId10"/>
     <p:sldId id="455" r:id="rId11"/>
-    <p:sldId id="459" r:id="rId12"/>
+    <p:sldId id="461" r:id="rId12"/>
+    <p:sldId id="459" r:id="rId13"/>
+    <p:sldId id="460" r:id="rId14"/>
+    <p:sldId id="462" r:id="rId15"/>
+    <p:sldId id="463" r:id="rId16"/>
+    <p:sldId id="464" r:id="rId17"/>
+    <p:sldId id="465" r:id="rId18"/>
   </p:sldIdLst>
   <p:sldSz cx="12192000" cy="6858000"/>
   <p:notesSz cx="6858000" cy="9144000"/>
@@ -285,7 +291,7 @@
           <a:p>
             <a:fld id="{1160EA64-D806-43AC-9DF2-F8C432F32B4C}" type="datetimeFigureOut">
               <a:rPr lang="en-US" dirty="0"/>
-              <a:t>5/20/2024</a:t>
+              <a:t>5/21/2024</a:t>
             </a:fld>
             <a:endParaRPr lang="en-US" dirty="0"/>
           </a:p>
@@ -451,7 +457,7 @@
           <a:p>
             <a:fld id="{E9F9C37B-1D36-470B-8223-D6C91242EC14}" type="datetimeFigureOut">
               <a:rPr lang="en-US" dirty="0"/>
-              <a:t>5/20/2024</a:t>
+              <a:t>5/21/2024</a:t>
             </a:fld>
             <a:endParaRPr lang="en-US" dirty="0"/>
           </a:p>
@@ -626,7 +632,7 @@
           <a:p>
             <a:fld id="{67C6F52A-A82B-47A2-A83A-8C4C91F2D59F}" type="datetimeFigureOut">
               <a:rPr lang="en-US" dirty="0"/>
-              <a:t>5/20/2024</a:t>
+              <a:t>5/21/2024</a:t>
             </a:fld>
             <a:endParaRPr lang="en-US" dirty="0"/>
           </a:p>
@@ -791,7 +797,7 @@
           <a:p>
             <a:fld id="{F070A7B3-6521-4DCA-87E5-044747A908C1}" type="datetimeFigureOut">
               <a:rPr lang="en-US" dirty="0"/>
-              <a:t>5/20/2024</a:t>
+              <a:t>5/21/2024</a:t>
             </a:fld>
             <a:endParaRPr lang="en-US" dirty="0"/>
           </a:p>
@@ -1055,7 +1061,7 @@
           <a:p>
             <a:fld id="{1160EA64-D806-43AC-9DF2-F8C432F32B4C}" type="datetimeFigureOut">
               <a:rPr lang="en-US" dirty="0"/>
-              <a:t>5/20/2024</a:t>
+              <a:t>5/21/2024</a:t>
             </a:fld>
             <a:endParaRPr lang="en-US" dirty="0"/>
           </a:p>
@@ -1283,7 +1289,7 @@
           <a:p>
             <a:fld id="{AB134690-1557-4C89-A502-4959FE7FAD70}" type="datetimeFigureOut">
               <a:rPr lang="en-US" dirty="0"/>
-              <a:t>5/20/2024</a:t>
+              <a:t>5/21/2024</a:t>
             </a:fld>
             <a:endParaRPr lang="en-US" dirty="0"/>
           </a:p>
@@ -1637,7 +1643,7 @@
           <a:p>
             <a:fld id="{4F7D4976-E339-4826-83B7-FBD03F55ECF8}" type="datetimeFigureOut">
               <a:rPr lang="en-US" dirty="0"/>
-              <a:t>5/20/2024</a:t>
+              <a:t>5/21/2024</a:t>
             </a:fld>
             <a:endParaRPr lang="en-US" dirty="0"/>
           </a:p>
@@ -1773,7 +1779,7 @@
           <a:p>
             <a:fld id="{E1037C31-9E7A-4F99-8774-A0E530DE1A42}" type="datetimeFigureOut">
               <a:rPr lang="en-US" dirty="0"/>
-              <a:t>5/20/2024</a:t>
+              <a:t>5/21/2024</a:t>
             </a:fld>
             <a:endParaRPr lang="en-US" dirty="0"/>
           </a:p>
@@ -1863,7 +1869,7 @@
           <a:p>
             <a:fld id="{C278504F-A551-4DE0-9316-4DCD1D8CC752}" type="datetimeFigureOut">
               <a:rPr lang="en-US" dirty="0"/>
-              <a:t>5/20/2024</a:t>
+              <a:t>5/21/2024</a:t>
             </a:fld>
             <a:endParaRPr lang="en-US" dirty="0"/>
           </a:p>
@@ -2215,7 +2221,7 @@
           <a:p>
             <a:fld id="{D1BE4249-C0D0-4B06-8692-E8BB871AF643}" type="datetimeFigureOut">
               <a:rPr lang="en-US" dirty="0"/>
-              <a:t>5/20/2024</a:t>
+              <a:t>5/21/2024</a:t>
             </a:fld>
             <a:endParaRPr lang="en-US" dirty="0"/>
           </a:p>
@@ -2567,7 +2573,7 @@
           <a:p>
             <a:fld id="{042B0DB6-F5C7-45FB-8CF3-31B45F9C2DAC}" type="datetimeFigureOut">
               <a:rPr lang="en-US" dirty="0"/>
-              <a:t>5/20/2024</a:t>
+              <a:t>5/21/2024</a:t>
             </a:fld>
             <a:endParaRPr lang="en-US" dirty="0"/>
           </a:p>
@@ -2803,7 +2809,7 @@
           <a:p>
             <a:fld id="{1160EA64-D806-43AC-9DF2-F8C432F32B4C}" type="datetimeFigureOut">
               <a:rPr lang="en-US" dirty="0"/>
-              <a:t>5/20/2024</a:t>
+              <a:t>5/21/2024</a:t>
             </a:fld>
             <a:endParaRPr lang="en-US" dirty="0"/>
           </a:p>
@@ -3536,6 +3542,174 @@
         <p:spPr>
           <a:xfrm>
             <a:off x="2231136" y="2638044"/>
+            <a:ext cx="4746278" cy="3679629"/>
+          </a:xfrm>
+        </p:spPr>
+        <p:txBody>
+          <a:bodyPr>
+            <a:normAutofit/>
+          </a:bodyPr>
+          <a:lstStyle/>
+          <a:p>
+            <a:r>
+              <a:rPr lang="en-US" dirty="0" smtClean="0">
+                <a:latin typeface="Tahoma" panose="020B0604030504040204" pitchFamily="34" charset="0"/>
+                <a:ea typeface="Tahoma" panose="020B0604030504040204" pitchFamily="34" charset="0"/>
+                <a:cs typeface="Tahoma" panose="020B0604030504040204" pitchFamily="34" charset="0"/>
+              </a:rPr>
+              <a:t>Sau khi chuyển CSS thành dạng module thì các class nó đã được thay đổi thành format</a:t>
+            </a:r>
+          </a:p>
+          <a:p>
+            <a:pPr lvl="1"/>
+            <a:r>
+              <a:rPr lang="en-US" dirty="0">
+                <a:latin typeface="Tahoma" panose="020B0604030504040204" pitchFamily="34" charset="0"/>
+                <a:ea typeface="Tahoma" panose="020B0604030504040204" pitchFamily="34" charset="0"/>
+                <a:cs typeface="Tahoma" panose="020B0604030504040204" pitchFamily="34" charset="0"/>
+              </a:rPr>
+              <a:t>[filename</a:t>
+            </a:r>
+            <a:r>
+              <a:rPr lang="en-US" dirty="0" smtClean="0">
+                <a:latin typeface="Tahoma" panose="020B0604030504040204" pitchFamily="34" charset="0"/>
+                <a:ea typeface="Tahoma" panose="020B0604030504040204" pitchFamily="34" charset="0"/>
+                <a:cs typeface="Tahoma" panose="020B0604030504040204" pitchFamily="34" charset="0"/>
+              </a:rPr>
+              <a:t>]_[</a:t>
+            </a:r>
+            <a:r>
+              <a:rPr lang="en-US" dirty="0">
+                <a:latin typeface="Tahoma" panose="020B0604030504040204" pitchFamily="34" charset="0"/>
+                <a:ea typeface="Tahoma" panose="020B0604030504040204" pitchFamily="34" charset="0"/>
+                <a:cs typeface="Tahoma" panose="020B0604030504040204" pitchFamily="34" charset="0"/>
+              </a:rPr>
+              <a:t>classname</a:t>
+            </a:r>
+            <a:r>
+              <a:rPr lang="en-US" dirty="0" smtClean="0">
+                <a:latin typeface="Tahoma" panose="020B0604030504040204" pitchFamily="34" charset="0"/>
+                <a:ea typeface="Tahoma" panose="020B0604030504040204" pitchFamily="34" charset="0"/>
+                <a:cs typeface="Tahoma" panose="020B0604030504040204" pitchFamily="34" charset="0"/>
+              </a:rPr>
+              <a:t>]__[</a:t>
+            </a:r>
+            <a:r>
+              <a:rPr lang="en-US" dirty="0">
+                <a:latin typeface="Tahoma" panose="020B0604030504040204" pitchFamily="34" charset="0"/>
+                <a:ea typeface="Tahoma" panose="020B0604030504040204" pitchFamily="34" charset="0"/>
+                <a:cs typeface="Tahoma" panose="020B0604030504040204" pitchFamily="34" charset="0"/>
+              </a:rPr>
+              <a:t>hash]</a:t>
+            </a:r>
+            <a:endParaRPr lang="en-US" dirty="0" smtClean="0">
+              <a:latin typeface="Tahoma" panose="020B0604030504040204" pitchFamily="34" charset="0"/>
+              <a:ea typeface="Tahoma" panose="020B0604030504040204" pitchFamily="34" charset="0"/>
+              <a:cs typeface="Tahoma" panose="020B0604030504040204" pitchFamily="34" charset="0"/>
+            </a:endParaRPr>
+          </a:p>
+        </p:txBody>
+      </p:sp>
+      <p:pic>
+        <p:nvPicPr>
+          <p:cNvPr id="5" name="Picture 4"/>
+          <p:cNvPicPr>
+            <a:picLocks noChangeAspect="1"/>
+          </p:cNvPicPr>
+          <p:nvPr/>
+        </p:nvPicPr>
+        <p:blipFill>
+          <a:blip r:embed="rId2"/>
+          <a:stretch>
+            <a:fillRect/>
+          </a:stretch>
+        </p:blipFill>
+        <p:spPr>
+          <a:xfrm>
+            <a:off x="6977414" y="2836566"/>
+            <a:ext cx="2983450" cy="3282583"/>
+          </a:xfrm>
+          <a:prstGeom prst="rect">
+            <a:avLst/>
+          </a:prstGeom>
+        </p:spPr>
+      </p:pic>
+    </p:spTree>
+    <p:extLst>
+      <p:ext uri="{BB962C8B-B14F-4D97-AF65-F5344CB8AC3E}">
+        <p14:creationId xmlns:p14="http://schemas.microsoft.com/office/powerpoint/2010/main" val="1214471443"/>
+      </p:ext>
+    </p:extLst>
+  </p:cSld>
+  <p:clrMapOvr>
+    <a:masterClrMapping/>
+  </p:clrMapOvr>
+</p:sld>
+</file>
+
+<file path=ppt/slides/slide12.xml><?xml version="1.0" encoding="utf-8"?>
+<p:sld xmlns:a="http://schemas.openxmlformats.org/drawingml/2006/main" xmlns:r="http://schemas.openxmlformats.org/officeDocument/2006/relationships" xmlns:p="http://schemas.openxmlformats.org/presentationml/2006/main">
+  <p:cSld>
+    <p:spTree>
+      <p:nvGrpSpPr>
+        <p:cNvPr id="1" name=""/>
+        <p:cNvGrpSpPr/>
+        <p:nvPr/>
+      </p:nvGrpSpPr>
+      <p:grpSpPr>
+        <a:xfrm>
+          <a:off x="0" y="0"/>
+          <a:ext cx="0" cy="0"/>
+          <a:chOff x="0" y="0"/>
+          <a:chExt cx="0" cy="0"/>
+        </a:xfrm>
+      </p:grpSpPr>
+      <p:sp>
+        <p:nvSpPr>
+          <p:cNvPr id="2" name="Title 1"/>
+          <p:cNvSpPr>
+            <a:spLocks noGrp="1"/>
+          </p:cNvSpPr>
+          <p:nvPr>
+            <p:ph type="title"/>
+          </p:nvPr>
+        </p:nvSpPr>
+        <p:spPr/>
+        <p:txBody>
+          <a:bodyPr>
+            <a:normAutofit/>
+          </a:bodyPr>
+          <a:lstStyle/>
+          <a:p>
+            <a:r>
+              <a:rPr lang="en-US" dirty="0" smtClean="0">
+                <a:latin typeface="Tahoma" panose="020B0604030504040204" pitchFamily="34" charset="0"/>
+                <a:ea typeface="Tahoma" panose="020B0604030504040204" pitchFamily="34" charset="0"/>
+                <a:cs typeface="Tahoma" panose="020B0604030504040204" pitchFamily="34" charset="0"/>
+              </a:rPr>
+              <a:t>Css module</a:t>
+            </a:r>
+            <a:endParaRPr lang="en-US" dirty="0">
+              <a:latin typeface="Tahoma" panose="020B0604030504040204" pitchFamily="34" charset="0"/>
+              <a:ea typeface="Tahoma" panose="020B0604030504040204" pitchFamily="34" charset="0"/>
+              <a:cs typeface="Tahoma" panose="020B0604030504040204" pitchFamily="34" charset="0"/>
+            </a:endParaRPr>
+          </a:p>
+        </p:txBody>
+      </p:sp>
+      <p:sp>
+        <p:nvSpPr>
+          <p:cNvPr id="3" name="Content Placeholder 2"/>
+          <p:cNvSpPr>
+            <a:spLocks noGrp="1"/>
+          </p:cNvSpPr>
+          <p:nvPr>
+            <p:ph idx="1"/>
+          </p:nvPr>
+        </p:nvSpPr>
+        <p:spPr>
+          <a:xfrm>
+            <a:off x="2231136" y="2638044"/>
             <a:ext cx="7729728" cy="3679629"/>
           </a:xfrm>
         </p:spPr>
@@ -3545,65 +3719,1110 @@
           </a:bodyPr>
           <a:lstStyle/>
           <a:p>
+            <a:endParaRPr lang="en-US" dirty="0">
+              <a:latin typeface="Tahoma" panose="020B0604030504040204" pitchFamily="34" charset="0"/>
+              <a:ea typeface="Tahoma" panose="020B0604030504040204" pitchFamily="34" charset="0"/>
+              <a:cs typeface="Tahoma" panose="020B0604030504040204" pitchFamily="34" charset="0"/>
+            </a:endParaRPr>
+          </a:p>
+        </p:txBody>
+      </p:sp>
+      <p:sp>
+        <p:nvSpPr>
+          <p:cNvPr id="5" name="Rectangle 4"/>
+          <p:cNvSpPr/>
+          <p:nvPr/>
+        </p:nvSpPr>
+        <p:spPr>
+          <a:xfrm>
+            <a:off x="2231136" y="2638044"/>
+            <a:ext cx="7729728" cy="830997"/>
+          </a:xfrm>
+          <a:prstGeom prst="rect">
+            <a:avLst/>
+          </a:prstGeom>
+          <a:solidFill>
+            <a:schemeClr val="tx1"/>
+          </a:solidFill>
+        </p:spPr>
+        <p:txBody>
+          <a:bodyPr wrap="square">
+            <a:spAutoFit/>
+          </a:bodyPr>
+          <a:lstStyle/>
+          <a:p>
+            <a:r>
+              <a:rPr lang="en-US" sz="1200" dirty="0">
+                <a:solidFill>
+                  <a:srgbClr val="C586C0"/>
+                </a:solidFill>
+                <a:latin typeface="Fira Code" pitchFamily="1" charset="0"/>
+              </a:rPr>
+              <a:t>import</a:t>
+            </a:r>
+            <a:r>
+              <a:rPr lang="en-US" sz="1200" dirty="0">
+                <a:solidFill>
+                  <a:srgbClr val="CCCCCC"/>
+                </a:solidFill>
+                <a:latin typeface="Fira Code" pitchFamily="1" charset="0"/>
+              </a:rPr>
+              <a:t> </a:t>
+            </a:r>
+            <a:r>
+              <a:rPr lang="en-US" sz="1200" dirty="0">
+                <a:solidFill>
+                  <a:srgbClr val="9CDCFE"/>
+                </a:solidFill>
+                <a:latin typeface="Fira Code" pitchFamily="1" charset="0"/>
+              </a:rPr>
+              <a:t>styles</a:t>
+            </a:r>
+            <a:r>
+              <a:rPr lang="en-US" sz="1200" dirty="0">
+                <a:solidFill>
+                  <a:srgbClr val="CCCCCC"/>
+                </a:solidFill>
+                <a:latin typeface="Fira Code" pitchFamily="1" charset="0"/>
+              </a:rPr>
+              <a:t> </a:t>
+            </a:r>
+            <a:r>
+              <a:rPr lang="en-US" sz="1200" dirty="0">
+                <a:solidFill>
+                  <a:srgbClr val="C586C0"/>
+                </a:solidFill>
+                <a:latin typeface="Fira Code" pitchFamily="1" charset="0"/>
+              </a:rPr>
+              <a:t>from</a:t>
+            </a:r>
+            <a:r>
+              <a:rPr lang="en-US" sz="1200" dirty="0">
+                <a:solidFill>
+                  <a:srgbClr val="CCCCCC"/>
+                </a:solidFill>
+                <a:latin typeface="Fira Code" pitchFamily="1" charset="0"/>
+              </a:rPr>
+              <a:t> </a:t>
+            </a:r>
+            <a:r>
+              <a:rPr lang="en-US" sz="1200" dirty="0">
+                <a:solidFill>
+                  <a:srgbClr val="CE9178"/>
+                </a:solidFill>
+                <a:latin typeface="Fira Code" pitchFamily="1" charset="0"/>
+              </a:rPr>
+              <a:t>'./header.module.css'</a:t>
+            </a:r>
+            <a:r>
+              <a:rPr lang="en-US" sz="1200" dirty="0">
+                <a:solidFill>
+                  <a:srgbClr val="CCCCCC"/>
+                </a:solidFill>
+                <a:latin typeface="Fira Code" pitchFamily="1" charset="0"/>
+              </a:rPr>
+              <a:t>;</a:t>
+            </a:r>
+          </a:p>
+          <a:p>
+            <a:r>
+              <a:rPr lang="en-US" sz="1200" dirty="0">
+                <a:solidFill>
+                  <a:srgbClr val="C586C0"/>
+                </a:solidFill>
+                <a:latin typeface="Fira Code" pitchFamily="1" charset="0"/>
+              </a:rPr>
+              <a:t>export</a:t>
+            </a:r>
+            <a:r>
+              <a:rPr lang="en-US" sz="1200" dirty="0">
+                <a:solidFill>
+                  <a:srgbClr val="CCCCCC"/>
+                </a:solidFill>
+                <a:latin typeface="Fira Code" pitchFamily="1" charset="0"/>
+              </a:rPr>
+              <a:t> </a:t>
+            </a:r>
+            <a:r>
+              <a:rPr lang="en-US" sz="1200" dirty="0">
+                <a:solidFill>
+                  <a:srgbClr val="C586C0"/>
+                </a:solidFill>
+                <a:latin typeface="Fira Code" pitchFamily="1" charset="0"/>
+              </a:rPr>
+              <a:t>default</a:t>
+            </a:r>
+            <a:r>
+              <a:rPr lang="en-US" sz="1200" dirty="0">
+                <a:solidFill>
+                  <a:srgbClr val="CCCCCC"/>
+                </a:solidFill>
+                <a:latin typeface="Fira Code" pitchFamily="1" charset="0"/>
+              </a:rPr>
+              <a:t> </a:t>
+            </a:r>
+            <a:r>
+              <a:rPr lang="en-US" sz="1200" dirty="0">
+                <a:solidFill>
+                  <a:srgbClr val="569CD6"/>
+                </a:solidFill>
+                <a:latin typeface="Fira Code" pitchFamily="1" charset="0"/>
+              </a:rPr>
+              <a:t>function</a:t>
+            </a:r>
+            <a:r>
+              <a:rPr lang="en-US" sz="1200" dirty="0">
+                <a:solidFill>
+                  <a:srgbClr val="CCCCCC"/>
+                </a:solidFill>
+                <a:latin typeface="Fira Code" pitchFamily="1" charset="0"/>
+              </a:rPr>
+              <a:t> </a:t>
+            </a:r>
+            <a:r>
+              <a:rPr lang="en-US" sz="1200" dirty="0">
+                <a:solidFill>
+                  <a:srgbClr val="DCDCAA"/>
+                </a:solidFill>
+                <a:latin typeface="Fira Code" pitchFamily="1" charset="0"/>
+              </a:rPr>
+              <a:t>Header</a:t>
+            </a:r>
+            <a:r>
+              <a:rPr lang="en-US" sz="1200" dirty="0">
+                <a:solidFill>
+                  <a:srgbClr val="CCCCCC"/>
+                </a:solidFill>
+                <a:latin typeface="Fira Code" pitchFamily="1" charset="0"/>
+              </a:rPr>
+              <a:t>() {</a:t>
+            </a:r>
+          </a:p>
+          <a:p>
+            <a:r>
+              <a:rPr lang="en-US" sz="1200" dirty="0">
+                <a:solidFill>
+                  <a:srgbClr val="CCCCCC"/>
+                </a:solidFill>
+                <a:latin typeface="Fira Code" pitchFamily="1" charset="0"/>
+              </a:rPr>
+              <a:t>  </a:t>
+            </a:r>
+            <a:r>
+              <a:rPr lang="en-US" sz="1200" dirty="0">
+                <a:solidFill>
+                  <a:srgbClr val="C586C0"/>
+                </a:solidFill>
+                <a:latin typeface="Fira Code" pitchFamily="1" charset="0"/>
+              </a:rPr>
+              <a:t>return</a:t>
+            </a:r>
+            <a:r>
+              <a:rPr lang="en-US" sz="1200" dirty="0">
+                <a:solidFill>
+                  <a:srgbClr val="CCCCCC"/>
+                </a:solidFill>
+                <a:latin typeface="Fira Code" pitchFamily="1" charset="0"/>
+              </a:rPr>
+              <a:t> </a:t>
+            </a:r>
+            <a:r>
+              <a:rPr lang="en-US" sz="1200" dirty="0">
+                <a:solidFill>
+                  <a:srgbClr val="808080"/>
+                </a:solidFill>
+                <a:latin typeface="Fira Code" pitchFamily="1" charset="0"/>
+              </a:rPr>
+              <a:t>&lt;</a:t>
+            </a:r>
+            <a:r>
+              <a:rPr lang="en-US" sz="1200" dirty="0">
+                <a:solidFill>
+                  <a:srgbClr val="569CD6"/>
+                </a:solidFill>
+                <a:latin typeface="Fira Code" pitchFamily="1" charset="0"/>
+              </a:rPr>
+              <a:t>h1</a:t>
+            </a:r>
+            <a:r>
+              <a:rPr lang="en-US" sz="1200" dirty="0">
+                <a:solidFill>
+                  <a:srgbClr val="CCCCCC"/>
+                </a:solidFill>
+                <a:latin typeface="Fira Code" pitchFamily="1" charset="0"/>
+              </a:rPr>
+              <a:t> </a:t>
+            </a:r>
+            <a:r>
+              <a:rPr lang="en-US" sz="1200" dirty="0">
+                <a:solidFill>
+                  <a:srgbClr val="9CDCFE"/>
+                </a:solidFill>
+                <a:latin typeface="Fira Code" pitchFamily="1" charset="0"/>
+              </a:rPr>
+              <a:t>className</a:t>
+            </a:r>
+            <a:r>
+              <a:rPr lang="en-US" sz="1200" dirty="0">
+                <a:solidFill>
+                  <a:srgbClr val="D4D4D4"/>
+                </a:solidFill>
+                <a:latin typeface="Fira Code" pitchFamily="1" charset="0"/>
+              </a:rPr>
+              <a:t>=</a:t>
+            </a:r>
+            <a:r>
+              <a:rPr lang="en-US" sz="1200" dirty="0">
+                <a:solidFill>
+                  <a:srgbClr val="569CD6"/>
+                </a:solidFill>
+                <a:latin typeface="Fira Code" pitchFamily="1" charset="0"/>
+              </a:rPr>
+              <a:t>{</a:t>
+            </a:r>
+            <a:r>
+              <a:rPr lang="en-US" sz="1200" dirty="0">
+                <a:solidFill>
+                  <a:srgbClr val="4FC1FF"/>
+                </a:solidFill>
+                <a:latin typeface="Fira Code" pitchFamily="1" charset="0"/>
+              </a:rPr>
+              <a:t>styles</a:t>
+            </a:r>
+            <a:r>
+              <a:rPr lang="en-US" sz="1200" dirty="0">
+                <a:solidFill>
+                  <a:srgbClr val="D4D4D4"/>
+                </a:solidFill>
+                <a:latin typeface="Fira Code" pitchFamily="1" charset="0"/>
+              </a:rPr>
+              <a:t>.</a:t>
+            </a:r>
+            <a:r>
+              <a:rPr lang="en-US" sz="1200" dirty="0">
+                <a:solidFill>
+                  <a:srgbClr val="9CDCFE"/>
+                </a:solidFill>
+                <a:latin typeface="Fira Code" pitchFamily="1" charset="0"/>
+              </a:rPr>
+              <a:t>header</a:t>
+            </a:r>
+            <a:r>
+              <a:rPr lang="en-US" sz="1200" dirty="0">
+                <a:solidFill>
+                  <a:srgbClr val="569CD6"/>
+                </a:solidFill>
+                <a:latin typeface="Fira Code" pitchFamily="1" charset="0"/>
+              </a:rPr>
+              <a:t>}</a:t>
+            </a:r>
+            <a:r>
+              <a:rPr lang="en-US" sz="1200" dirty="0">
+                <a:solidFill>
+                  <a:srgbClr val="808080"/>
+                </a:solidFill>
+                <a:latin typeface="Fira Code" pitchFamily="1" charset="0"/>
+              </a:rPr>
+              <a:t>&gt;</a:t>
+            </a:r>
+            <a:r>
+              <a:rPr lang="en-US" sz="1200" dirty="0">
+                <a:solidFill>
+                  <a:srgbClr val="CCCCCC"/>
+                </a:solidFill>
+                <a:latin typeface="Fira Code" pitchFamily="1" charset="0"/>
+              </a:rPr>
+              <a:t>Header</a:t>
+            </a:r>
+            <a:r>
+              <a:rPr lang="en-US" sz="1200" dirty="0">
+                <a:solidFill>
+                  <a:srgbClr val="808080"/>
+                </a:solidFill>
+                <a:latin typeface="Fira Code" pitchFamily="1" charset="0"/>
+              </a:rPr>
+              <a:t>&lt;/</a:t>
+            </a:r>
+            <a:r>
+              <a:rPr lang="en-US" sz="1200" dirty="0">
+                <a:solidFill>
+                  <a:srgbClr val="569CD6"/>
+                </a:solidFill>
+                <a:latin typeface="Fira Code" pitchFamily="1" charset="0"/>
+              </a:rPr>
+              <a:t>h1</a:t>
+            </a:r>
+            <a:r>
+              <a:rPr lang="en-US" sz="1200" dirty="0">
+                <a:solidFill>
+                  <a:srgbClr val="808080"/>
+                </a:solidFill>
+                <a:latin typeface="Fira Code" pitchFamily="1" charset="0"/>
+              </a:rPr>
+              <a:t>&gt;</a:t>
+            </a:r>
+            <a:r>
+              <a:rPr lang="en-US" sz="1200" dirty="0">
+                <a:solidFill>
+                  <a:srgbClr val="CCCCCC"/>
+                </a:solidFill>
+                <a:latin typeface="Fira Code" pitchFamily="1" charset="0"/>
+              </a:rPr>
+              <a:t>;</a:t>
+            </a:r>
+          </a:p>
+          <a:p>
+            <a:r>
+              <a:rPr lang="en-US" sz="1200" dirty="0">
+                <a:solidFill>
+                  <a:srgbClr val="CCCCCC"/>
+                </a:solidFill>
+                <a:latin typeface="Fira Code" pitchFamily="1" charset="0"/>
+              </a:rPr>
+              <a:t>}</a:t>
+            </a:r>
+            <a:endParaRPr lang="en-US" sz="1200" b="0" dirty="0">
+              <a:solidFill>
+                <a:srgbClr val="CCCCCC"/>
+              </a:solidFill>
+              <a:effectLst/>
+              <a:latin typeface="Fira Code" pitchFamily="1" charset="0"/>
+            </a:endParaRPr>
+          </a:p>
+        </p:txBody>
+      </p:sp>
+      <p:sp>
+        <p:nvSpPr>
+          <p:cNvPr id="6" name="Rectangle 5"/>
+          <p:cNvSpPr/>
+          <p:nvPr/>
+        </p:nvSpPr>
+        <p:spPr>
+          <a:xfrm>
+            <a:off x="2231136" y="3964605"/>
+            <a:ext cx="7729728" cy="1938992"/>
+          </a:xfrm>
+          <a:prstGeom prst="rect">
+            <a:avLst/>
+          </a:prstGeom>
+          <a:solidFill>
+            <a:schemeClr val="tx1"/>
+          </a:solidFill>
+        </p:spPr>
+        <p:txBody>
+          <a:bodyPr wrap="square">
+            <a:spAutoFit/>
+          </a:bodyPr>
+          <a:lstStyle/>
+          <a:p>
+            <a:r>
+              <a:rPr lang="en-US" sz="1200" dirty="0">
+                <a:solidFill>
+                  <a:srgbClr val="C586C0"/>
+                </a:solidFill>
+                <a:latin typeface="Fira Code" pitchFamily="1" charset="0"/>
+              </a:rPr>
+              <a:t>import</a:t>
+            </a:r>
+            <a:r>
+              <a:rPr lang="en-US" sz="1200" dirty="0">
+                <a:solidFill>
+                  <a:srgbClr val="CCCCCC"/>
+                </a:solidFill>
+                <a:latin typeface="Fira Code" pitchFamily="1" charset="0"/>
+              </a:rPr>
+              <a:t> </a:t>
+            </a:r>
+            <a:r>
+              <a:rPr lang="en-US" sz="1200" dirty="0">
+                <a:solidFill>
+                  <a:srgbClr val="9CDCFE"/>
+                </a:solidFill>
+                <a:latin typeface="Fira Code" pitchFamily="1" charset="0"/>
+              </a:rPr>
+              <a:t>styles</a:t>
+            </a:r>
+            <a:r>
+              <a:rPr lang="en-US" sz="1200" dirty="0">
+                <a:solidFill>
+                  <a:srgbClr val="CCCCCC"/>
+                </a:solidFill>
+                <a:latin typeface="Fira Code" pitchFamily="1" charset="0"/>
+              </a:rPr>
+              <a:t> </a:t>
+            </a:r>
+            <a:r>
+              <a:rPr lang="en-US" sz="1200" dirty="0">
+                <a:solidFill>
+                  <a:srgbClr val="C586C0"/>
+                </a:solidFill>
+                <a:latin typeface="Fira Code" pitchFamily="1" charset="0"/>
+              </a:rPr>
+              <a:t>from</a:t>
+            </a:r>
+            <a:r>
+              <a:rPr lang="en-US" sz="1200" dirty="0">
+                <a:solidFill>
+                  <a:srgbClr val="CCCCCC"/>
+                </a:solidFill>
+                <a:latin typeface="Fira Code" pitchFamily="1" charset="0"/>
+              </a:rPr>
+              <a:t> </a:t>
+            </a:r>
+            <a:r>
+              <a:rPr lang="en-US" sz="1200" dirty="0">
+                <a:solidFill>
+                  <a:srgbClr val="CE9178"/>
+                </a:solidFill>
+                <a:latin typeface="Fira Code" pitchFamily="1" charset="0"/>
+              </a:rPr>
+              <a:t>'./footer.module.css'</a:t>
+            </a:r>
+            <a:r>
+              <a:rPr lang="en-US" sz="1200" dirty="0">
+                <a:solidFill>
+                  <a:srgbClr val="CCCCCC"/>
+                </a:solidFill>
+                <a:latin typeface="Fira Code" pitchFamily="1" charset="0"/>
+              </a:rPr>
+              <a:t>;</a:t>
+            </a:r>
+          </a:p>
+          <a:p>
+            <a:r>
+              <a:rPr lang="en-US" sz="1200" dirty="0">
+                <a:solidFill>
+                  <a:srgbClr val="CCCCCC"/>
+                </a:solidFill>
+                <a:latin typeface="Fira Code" pitchFamily="1" charset="0"/>
+              </a:rPr>
+              <a:t/>
+            </a:r>
+            <a:br>
+              <a:rPr lang="en-US" sz="1200" dirty="0">
+                <a:solidFill>
+                  <a:srgbClr val="CCCCCC"/>
+                </a:solidFill>
+                <a:latin typeface="Fira Code" pitchFamily="1" charset="0"/>
+              </a:rPr>
+            </a:br>
+            <a:r>
+              <a:rPr lang="en-US" sz="1200" dirty="0">
+                <a:solidFill>
+                  <a:srgbClr val="C586C0"/>
+                </a:solidFill>
+                <a:latin typeface="Fira Code" pitchFamily="1" charset="0"/>
+              </a:rPr>
+              <a:t>export</a:t>
+            </a:r>
+            <a:r>
+              <a:rPr lang="en-US" sz="1200" dirty="0">
+                <a:solidFill>
+                  <a:srgbClr val="CCCCCC"/>
+                </a:solidFill>
+                <a:latin typeface="Fira Code" pitchFamily="1" charset="0"/>
+              </a:rPr>
+              <a:t> </a:t>
+            </a:r>
+            <a:r>
+              <a:rPr lang="en-US" sz="1200" dirty="0">
+                <a:solidFill>
+                  <a:srgbClr val="C586C0"/>
+                </a:solidFill>
+                <a:latin typeface="Fira Code" pitchFamily="1" charset="0"/>
+              </a:rPr>
+              <a:t>default</a:t>
+            </a:r>
+            <a:r>
+              <a:rPr lang="en-US" sz="1200" dirty="0">
+                <a:solidFill>
+                  <a:srgbClr val="CCCCCC"/>
+                </a:solidFill>
+                <a:latin typeface="Fira Code" pitchFamily="1" charset="0"/>
+              </a:rPr>
+              <a:t> </a:t>
+            </a:r>
+            <a:r>
+              <a:rPr lang="en-US" sz="1200" dirty="0">
+                <a:solidFill>
+                  <a:srgbClr val="569CD6"/>
+                </a:solidFill>
+                <a:latin typeface="Fira Code" pitchFamily="1" charset="0"/>
+              </a:rPr>
+              <a:t>function</a:t>
+            </a:r>
+            <a:r>
+              <a:rPr lang="en-US" sz="1200" dirty="0">
+                <a:solidFill>
+                  <a:srgbClr val="CCCCCC"/>
+                </a:solidFill>
+                <a:latin typeface="Fira Code" pitchFamily="1" charset="0"/>
+              </a:rPr>
+              <a:t> </a:t>
+            </a:r>
+            <a:r>
+              <a:rPr lang="en-US" sz="1200" dirty="0">
+                <a:solidFill>
+                  <a:srgbClr val="DCDCAA"/>
+                </a:solidFill>
+                <a:latin typeface="Fira Code" pitchFamily="1" charset="0"/>
+              </a:rPr>
+              <a:t>Footer</a:t>
+            </a:r>
+            <a:r>
+              <a:rPr lang="en-US" sz="1200" dirty="0">
+                <a:solidFill>
+                  <a:srgbClr val="CCCCCC"/>
+                </a:solidFill>
+                <a:latin typeface="Fira Code" pitchFamily="1" charset="0"/>
+              </a:rPr>
+              <a:t>() {</a:t>
+            </a:r>
+          </a:p>
+          <a:p>
+            <a:r>
+              <a:rPr lang="en-US" sz="1200" dirty="0">
+                <a:solidFill>
+                  <a:srgbClr val="CCCCCC"/>
+                </a:solidFill>
+                <a:latin typeface="Fira Code" pitchFamily="1" charset="0"/>
+              </a:rPr>
+              <a:t>  </a:t>
+            </a:r>
+            <a:r>
+              <a:rPr lang="en-US" sz="1200" dirty="0">
+                <a:solidFill>
+                  <a:srgbClr val="C586C0"/>
+                </a:solidFill>
+                <a:latin typeface="Fira Code" pitchFamily="1" charset="0"/>
+              </a:rPr>
+              <a:t>return</a:t>
+            </a:r>
+            <a:r>
+              <a:rPr lang="en-US" sz="1200" dirty="0">
+                <a:solidFill>
+                  <a:srgbClr val="CCCCCC"/>
+                </a:solidFill>
+                <a:latin typeface="Fira Code" pitchFamily="1" charset="0"/>
+              </a:rPr>
+              <a:t> (</a:t>
+            </a:r>
+          </a:p>
+          <a:p>
+            <a:r>
+              <a:rPr lang="en-US" sz="1200" dirty="0">
+                <a:solidFill>
+                  <a:srgbClr val="CCCCCC"/>
+                </a:solidFill>
+                <a:latin typeface="Fira Code" pitchFamily="1" charset="0"/>
+              </a:rPr>
+              <a:t>    </a:t>
+            </a:r>
+            <a:r>
+              <a:rPr lang="en-US" sz="1200" dirty="0">
+                <a:solidFill>
+                  <a:srgbClr val="808080"/>
+                </a:solidFill>
+                <a:latin typeface="Fira Code" pitchFamily="1" charset="0"/>
+              </a:rPr>
+              <a:t>&lt;</a:t>
+            </a:r>
+            <a:r>
+              <a:rPr lang="en-US" sz="1200" dirty="0">
+                <a:solidFill>
+                  <a:srgbClr val="569CD6"/>
+                </a:solidFill>
+                <a:latin typeface="Fira Code" pitchFamily="1" charset="0"/>
+              </a:rPr>
+              <a:t>footer</a:t>
+            </a:r>
+            <a:r>
+              <a:rPr lang="en-US" sz="1200" dirty="0">
+                <a:solidFill>
+                  <a:srgbClr val="808080"/>
+                </a:solidFill>
+                <a:latin typeface="Fira Code" pitchFamily="1" charset="0"/>
+              </a:rPr>
+              <a:t>&gt;</a:t>
+            </a:r>
+            <a:endParaRPr lang="en-US" sz="1200" dirty="0">
+              <a:solidFill>
+                <a:srgbClr val="CCCCCC"/>
+              </a:solidFill>
+              <a:latin typeface="Fira Code" pitchFamily="1" charset="0"/>
+            </a:endParaRPr>
+          </a:p>
+          <a:p>
+            <a:r>
+              <a:rPr lang="en-US" sz="1200" dirty="0">
+                <a:solidFill>
+                  <a:srgbClr val="CCCCCC"/>
+                </a:solidFill>
+                <a:latin typeface="Fira Code" pitchFamily="1" charset="0"/>
+              </a:rPr>
+              <a:t>      </a:t>
+            </a:r>
+            <a:r>
+              <a:rPr lang="en-US" sz="1200" dirty="0">
+                <a:solidFill>
+                  <a:srgbClr val="808080"/>
+                </a:solidFill>
+                <a:latin typeface="Fira Code" pitchFamily="1" charset="0"/>
+              </a:rPr>
+              <a:t>&lt;</a:t>
+            </a:r>
+            <a:r>
+              <a:rPr lang="en-US" sz="1200" dirty="0">
+                <a:solidFill>
+                  <a:srgbClr val="569CD6"/>
+                </a:solidFill>
+                <a:latin typeface="Fira Code" pitchFamily="1" charset="0"/>
+              </a:rPr>
+              <a:t>h3</a:t>
+            </a:r>
+            <a:r>
+              <a:rPr lang="en-US" sz="1200" dirty="0">
+                <a:solidFill>
+                  <a:srgbClr val="CCCCCC"/>
+                </a:solidFill>
+                <a:latin typeface="Fira Code" pitchFamily="1" charset="0"/>
+              </a:rPr>
+              <a:t> </a:t>
+            </a:r>
+            <a:r>
+              <a:rPr lang="en-US" sz="1200" dirty="0">
+                <a:solidFill>
+                  <a:srgbClr val="9CDCFE"/>
+                </a:solidFill>
+                <a:latin typeface="Fira Code" pitchFamily="1" charset="0"/>
+              </a:rPr>
+              <a:t>className</a:t>
+            </a:r>
+            <a:r>
+              <a:rPr lang="en-US" sz="1200" dirty="0">
+                <a:solidFill>
+                  <a:srgbClr val="D4D4D4"/>
+                </a:solidFill>
+                <a:latin typeface="Fira Code" pitchFamily="1" charset="0"/>
+              </a:rPr>
+              <a:t>=</a:t>
+            </a:r>
+            <a:r>
+              <a:rPr lang="en-US" sz="1200" dirty="0">
+                <a:solidFill>
+                  <a:srgbClr val="569CD6"/>
+                </a:solidFill>
+                <a:latin typeface="Fira Code" pitchFamily="1" charset="0"/>
+              </a:rPr>
+              <a:t>{</a:t>
+            </a:r>
+            <a:r>
+              <a:rPr lang="en-US" sz="1200" dirty="0">
+                <a:solidFill>
+                  <a:srgbClr val="4FC1FF"/>
+                </a:solidFill>
+                <a:latin typeface="Fira Code" pitchFamily="1" charset="0"/>
+              </a:rPr>
+              <a:t>styles</a:t>
+            </a:r>
+            <a:r>
+              <a:rPr lang="en-US" sz="1200" dirty="0">
+                <a:solidFill>
+                  <a:srgbClr val="D4D4D4"/>
+                </a:solidFill>
+                <a:latin typeface="Fira Code" pitchFamily="1" charset="0"/>
+              </a:rPr>
+              <a:t>.</a:t>
+            </a:r>
+            <a:r>
+              <a:rPr lang="en-US" sz="1200" dirty="0">
+                <a:solidFill>
+                  <a:srgbClr val="9CDCFE"/>
+                </a:solidFill>
+                <a:latin typeface="Fira Code" pitchFamily="1" charset="0"/>
+              </a:rPr>
+              <a:t>header</a:t>
+            </a:r>
+            <a:r>
+              <a:rPr lang="en-US" sz="1200" dirty="0">
+                <a:solidFill>
+                  <a:srgbClr val="569CD6"/>
+                </a:solidFill>
+                <a:latin typeface="Fira Code" pitchFamily="1" charset="0"/>
+              </a:rPr>
+              <a:t>}</a:t>
+            </a:r>
+            <a:r>
+              <a:rPr lang="en-US" sz="1200" dirty="0">
+                <a:solidFill>
+                  <a:srgbClr val="808080"/>
+                </a:solidFill>
+                <a:latin typeface="Fira Code" pitchFamily="1" charset="0"/>
+              </a:rPr>
+              <a:t>&gt;</a:t>
+            </a:r>
+            <a:r>
+              <a:rPr lang="en-US" sz="1200" dirty="0">
+                <a:solidFill>
+                  <a:srgbClr val="CCCCCC"/>
+                </a:solidFill>
+                <a:latin typeface="Fira Code" pitchFamily="1" charset="0"/>
+              </a:rPr>
+              <a:t>Header footer</a:t>
+            </a:r>
+            <a:r>
+              <a:rPr lang="en-US" sz="1200" dirty="0">
+                <a:solidFill>
+                  <a:srgbClr val="808080"/>
+                </a:solidFill>
+                <a:latin typeface="Fira Code" pitchFamily="1" charset="0"/>
+              </a:rPr>
+              <a:t>&lt;/</a:t>
+            </a:r>
+            <a:r>
+              <a:rPr lang="en-US" sz="1200" dirty="0">
+                <a:solidFill>
+                  <a:srgbClr val="569CD6"/>
+                </a:solidFill>
+                <a:latin typeface="Fira Code" pitchFamily="1" charset="0"/>
+              </a:rPr>
+              <a:t>h3</a:t>
+            </a:r>
+            <a:r>
+              <a:rPr lang="en-US" sz="1200" dirty="0">
+                <a:solidFill>
+                  <a:srgbClr val="808080"/>
+                </a:solidFill>
+                <a:latin typeface="Fira Code" pitchFamily="1" charset="0"/>
+              </a:rPr>
+              <a:t>&gt;</a:t>
+            </a:r>
+            <a:endParaRPr lang="en-US" sz="1200" dirty="0">
+              <a:solidFill>
+                <a:srgbClr val="CCCCCC"/>
+              </a:solidFill>
+              <a:latin typeface="Fira Code" pitchFamily="1" charset="0"/>
+            </a:endParaRPr>
+          </a:p>
+          <a:p>
+            <a:r>
+              <a:rPr lang="en-US" sz="1200" dirty="0">
+                <a:solidFill>
+                  <a:srgbClr val="CCCCCC"/>
+                </a:solidFill>
+                <a:latin typeface="Fira Code" pitchFamily="1" charset="0"/>
+              </a:rPr>
+              <a:t>      </a:t>
+            </a:r>
+            <a:r>
+              <a:rPr lang="en-US" sz="1200" dirty="0">
+                <a:solidFill>
+                  <a:srgbClr val="808080"/>
+                </a:solidFill>
+                <a:latin typeface="Fira Code" pitchFamily="1" charset="0"/>
+              </a:rPr>
+              <a:t>&lt;</a:t>
+            </a:r>
+            <a:r>
+              <a:rPr lang="en-US" sz="1200" dirty="0">
+                <a:solidFill>
+                  <a:srgbClr val="569CD6"/>
+                </a:solidFill>
+                <a:latin typeface="Fira Code" pitchFamily="1" charset="0"/>
+              </a:rPr>
+              <a:t>p</a:t>
+            </a:r>
+            <a:r>
+              <a:rPr lang="en-US" sz="1200" dirty="0">
+                <a:solidFill>
+                  <a:srgbClr val="CCCCCC"/>
+                </a:solidFill>
+                <a:latin typeface="Fira Code" pitchFamily="1" charset="0"/>
+              </a:rPr>
+              <a:t> </a:t>
+            </a:r>
+            <a:r>
+              <a:rPr lang="en-US" sz="1200" dirty="0">
+                <a:solidFill>
+                  <a:srgbClr val="9CDCFE"/>
+                </a:solidFill>
+                <a:latin typeface="Fira Code" pitchFamily="1" charset="0"/>
+              </a:rPr>
+              <a:t>className</a:t>
+            </a:r>
+            <a:r>
+              <a:rPr lang="en-US" sz="1200" dirty="0">
+                <a:solidFill>
+                  <a:srgbClr val="D4D4D4"/>
+                </a:solidFill>
+                <a:latin typeface="Fira Code" pitchFamily="1" charset="0"/>
+              </a:rPr>
+              <a:t>=</a:t>
+            </a:r>
+            <a:r>
+              <a:rPr lang="en-US" sz="1200" dirty="0">
+                <a:solidFill>
+                  <a:srgbClr val="569CD6"/>
+                </a:solidFill>
+                <a:latin typeface="Fira Code" pitchFamily="1" charset="0"/>
+              </a:rPr>
+              <a:t>{</a:t>
+            </a:r>
+            <a:r>
+              <a:rPr lang="en-US" sz="1200" dirty="0">
+                <a:solidFill>
+                  <a:srgbClr val="4FC1FF"/>
+                </a:solidFill>
+                <a:latin typeface="Fira Code" pitchFamily="1" charset="0"/>
+              </a:rPr>
+              <a:t>styles</a:t>
+            </a:r>
+            <a:r>
+              <a:rPr lang="en-US" sz="1200" dirty="0">
+                <a:solidFill>
+                  <a:srgbClr val="D4D4D4"/>
+                </a:solidFill>
+                <a:latin typeface="Fira Code" pitchFamily="1" charset="0"/>
+              </a:rPr>
+              <a:t>.</a:t>
+            </a:r>
+            <a:r>
+              <a:rPr lang="en-US" sz="1200" dirty="0">
+                <a:solidFill>
+                  <a:srgbClr val="9CDCFE"/>
+                </a:solidFill>
+                <a:latin typeface="Fira Code" pitchFamily="1" charset="0"/>
+              </a:rPr>
+              <a:t>footer</a:t>
+            </a:r>
+            <a:r>
+              <a:rPr lang="en-US" sz="1200" dirty="0">
+                <a:solidFill>
+                  <a:srgbClr val="569CD6"/>
+                </a:solidFill>
+                <a:latin typeface="Fira Code" pitchFamily="1" charset="0"/>
+              </a:rPr>
+              <a:t>}</a:t>
+            </a:r>
+            <a:r>
+              <a:rPr lang="en-US" sz="1200" dirty="0">
+                <a:solidFill>
+                  <a:srgbClr val="808080"/>
+                </a:solidFill>
+                <a:latin typeface="Fira Code" pitchFamily="1" charset="0"/>
+              </a:rPr>
+              <a:t>&gt;</a:t>
+            </a:r>
+            <a:r>
+              <a:rPr lang="en-US" sz="1200" dirty="0">
+                <a:solidFill>
+                  <a:srgbClr val="CCCCCC"/>
+                </a:solidFill>
+                <a:latin typeface="Fira Code" pitchFamily="1" charset="0"/>
+              </a:rPr>
+              <a:t>Footer</a:t>
+            </a:r>
+            <a:r>
+              <a:rPr lang="en-US" sz="1200" dirty="0">
+                <a:solidFill>
+                  <a:srgbClr val="808080"/>
+                </a:solidFill>
+                <a:latin typeface="Fira Code" pitchFamily="1" charset="0"/>
+              </a:rPr>
+              <a:t>&lt;/</a:t>
+            </a:r>
+            <a:r>
+              <a:rPr lang="en-US" sz="1200" dirty="0">
+                <a:solidFill>
+                  <a:srgbClr val="569CD6"/>
+                </a:solidFill>
+                <a:latin typeface="Fira Code" pitchFamily="1" charset="0"/>
+              </a:rPr>
+              <a:t>p</a:t>
+            </a:r>
+            <a:r>
+              <a:rPr lang="en-US" sz="1200" dirty="0">
+                <a:solidFill>
+                  <a:srgbClr val="808080"/>
+                </a:solidFill>
+                <a:latin typeface="Fira Code" pitchFamily="1" charset="0"/>
+              </a:rPr>
+              <a:t>&gt;</a:t>
+            </a:r>
+            <a:endParaRPr lang="en-US" sz="1200" dirty="0">
+              <a:solidFill>
+                <a:srgbClr val="CCCCCC"/>
+              </a:solidFill>
+              <a:latin typeface="Fira Code" pitchFamily="1" charset="0"/>
+            </a:endParaRPr>
+          </a:p>
+          <a:p>
+            <a:r>
+              <a:rPr lang="en-US" sz="1200" dirty="0">
+                <a:solidFill>
+                  <a:srgbClr val="CCCCCC"/>
+                </a:solidFill>
+                <a:latin typeface="Fira Code" pitchFamily="1" charset="0"/>
+              </a:rPr>
+              <a:t>    </a:t>
+            </a:r>
+            <a:r>
+              <a:rPr lang="en-US" sz="1200" dirty="0">
+                <a:solidFill>
+                  <a:srgbClr val="808080"/>
+                </a:solidFill>
+                <a:latin typeface="Fira Code" pitchFamily="1" charset="0"/>
+              </a:rPr>
+              <a:t>&lt;/</a:t>
+            </a:r>
+            <a:r>
+              <a:rPr lang="en-US" sz="1200" dirty="0">
+                <a:solidFill>
+                  <a:srgbClr val="569CD6"/>
+                </a:solidFill>
+                <a:latin typeface="Fira Code" pitchFamily="1" charset="0"/>
+              </a:rPr>
+              <a:t>footer</a:t>
+            </a:r>
+            <a:r>
+              <a:rPr lang="en-US" sz="1200" dirty="0">
+                <a:solidFill>
+                  <a:srgbClr val="808080"/>
+                </a:solidFill>
+                <a:latin typeface="Fira Code" pitchFamily="1" charset="0"/>
+              </a:rPr>
+              <a:t>&gt;</a:t>
+            </a:r>
+            <a:endParaRPr lang="en-US" sz="1200" dirty="0">
+              <a:solidFill>
+                <a:srgbClr val="CCCCCC"/>
+              </a:solidFill>
+              <a:latin typeface="Fira Code" pitchFamily="1" charset="0"/>
+            </a:endParaRPr>
+          </a:p>
+          <a:p>
+            <a:r>
+              <a:rPr lang="en-US" sz="1200" dirty="0">
+                <a:solidFill>
+                  <a:srgbClr val="CCCCCC"/>
+                </a:solidFill>
+                <a:latin typeface="Fira Code" pitchFamily="1" charset="0"/>
+              </a:rPr>
+              <a:t>  );</a:t>
+            </a:r>
+          </a:p>
+          <a:p>
+            <a:r>
+              <a:rPr lang="en-US" sz="1200" dirty="0" smtClean="0">
+                <a:solidFill>
+                  <a:srgbClr val="CCCCCC"/>
+                </a:solidFill>
+                <a:latin typeface="Fira Code" pitchFamily="1" charset="0"/>
+              </a:rPr>
+              <a:t>}</a:t>
+            </a:r>
+            <a:endParaRPr lang="en-US" sz="1200" b="0" dirty="0">
+              <a:solidFill>
+                <a:srgbClr val="CCCCCC"/>
+              </a:solidFill>
+              <a:effectLst/>
+              <a:latin typeface="Fira Code" pitchFamily="1" charset="0"/>
+            </a:endParaRPr>
+          </a:p>
+        </p:txBody>
+      </p:sp>
+    </p:spTree>
+    <p:extLst>
+      <p:ext uri="{BB962C8B-B14F-4D97-AF65-F5344CB8AC3E}">
+        <p14:creationId xmlns:p14="http://schemas.microsoft.com/office/powerpoint/2010/main" val="3720103638"/>
+      </p:ext>
+    </p:extLst>
+  </p:cSld>
+  <p:clrMapOvr>
+    <a:masterClrMapping/>
+  </p:clrMapOvr>
+</p:sld>
+</file>
+
+<file path=ppt/slides/slide13.xml><?xml version="1.0" encoding="utf-8"?>
+<p:sld xmlns:a="http://schemas.openxmlformats.org/drawingml/2006/main" xmlns:r="http://schemas.openxmlformats.org/officeDocument/2006/relationships" xmlns:p="http://schemas.openxmlformats.org/presentationml/2006/main">
+  <p:cSld>
+    <p:spTree>
+      <p:nvGrpSpPr>
+        <p:cNvPr id="1" name=""/>
+        <p:cNvGrpSpPr/>
+        <p:nvPr/>
+      </p:nvGrpSpPr>
+      <p:grpSpPr>
+        <a:xfrm>
+          <a:off x="0" y="0"/>
+          <a:ext cx="0" cy="0"/>
+          <a:chOff x="0" y="0"/>
+          <a:chExt cx="0" cy="0"/>
+        </a:xfrm>
+      </p:grpSpPr>
+      <p:sp>
+        <p:nvSpPr>
+          <p:cNvPr id="2" name="Title 1"/>
+          <p:cNvSpPr>
+            <a:spLocks noGrp="1"/>
+          </p:cNvSpPr>
+          <p:nvPr>
+            <p:ph type="title"/>
+          </p:nvPr>
+        </p:nvSpPr>
+        <p:spPr/>
+        <p:txBody>
+          <a:bodyPr>
+            <a:normAutofit/>
+          </a:bodyPr>
+          <a:lstStyle/>
+          <a:p>
             <a:r>
               <a:rPr lang="en-US" dirty="0" smtClean="0">
                 <a:latin typeface="Tahoma" panose="020B0604030504040204" pitchFamily="34" charset="0"/>
                 <a:ea typeface="Tahoma" panose="020B0604030504040204" pitchFamily="34" charset="0"/>
                 <a:cs typeface="Tahoma" panose="020B0604030504040204" pitchFamily="34" charset="0"/>
               </a:rPr>
-              <a:t>Cách giải quyết</a:t>
-            </a:r>
-          </a:p>
-          <a:p>
-            <a:pPr lvl="1"/>
+              <a:t>Css module</a:t>
+            </a:r>
+            <a:endParaRPr lang="en-US" dirty="0">
+              <a:latin typeface="Tahoma" panose="020B0604030504040204" pitchFamily="34" charset="0"/>
+              <a:ea typeface="Tahoma" panose="020B0604030504040204" pitchFamily="34" charset="0"/>
+              <a:cs typeface="Tahoma" panose="020B0604030504040204" pitchFamily="34" charset="0"/>
+            </a:endParaRPr>
+          </a:p>
+        </p:txBody>
+      </p:sp>
+      <p:sp>
+        <p:nvSpPr>
+          <p:cNvPr id="3" name="Content Placeholder 2"/>
+          <p:cNvSpPr>
+            <a:spLocks noGrp="1"/>
+          </p:cNvSpPr>
+          <p:nvPr>
+            <p:ph idx="1"/>
+          </p:nvPr>
+        </p:nvSpPr>
+        <p:spPr>
+          <a:xfrm>
+            <a:off x="2231136" y="2638044"/>
+            <a:ext cx="7729728" cy="3679629"/>
+          </a:xfrm>
+        </p:spPr>
+        <p:txBody>
+          <a:bodyPr>
+            <a:normAutofit/>
+          </a:bodyPr>
+          <a:lstStyle/>
+          <a:p>
             <a:r>
               <a:rPr lang="en-US" dirty="0" smtClean="0">
                 <a:latin typeface="Tahoma" panose="020B0604030504040204" pitchFamily="34" charset="0"/>
                 <a:ea typeface="Tahoma" panose="020B0604030504040204" pitchFamily="34" charset="0"/>
                 <a:cs typeface="Tahoma" panose="020B0604030504040204" pitchFamily="34" charset="0"/>
               </a:rPr>
-              <a:t>Đổi tên css cũ thành *.module.css</a:t>
-            </a:r>
-          </a:p>
-          <a:p>
-            <a:pPr lvl="1"/>
-            <a:r>
-              <a:rPr lang="en-US" dirty="0" smtClean="0">
-                <a:latin typeface="Tahoma" panose="020B0604030504040204" pitchFamily="34" charset="0"/>
-                <a:ea typeface="Tahoma" panose="020B0604030504040204" pitchFamily="34" charset="0"/>
-                <a:cs typeface="Tahoma" panose="020B0604030504040204" pitchFamily="34" charset="0"/>
-              </a:rPr>
-              <a:t>Đổi cách import css ở trong file js</a:t>
-            </a:r>
-          </a:p>
-          <a:p>
-            <a:pPr lvl="2"/>
-            <a:r>
-              <a:rPr lang="en-US" dirty="0">
-                <a:latin typeface="Tahoma" panose="020B0604030504040204" pitchFamily="34" charset="0"/>
-                <a:ea typeface="Tahoma" panose="020B0604030504040204" pitchFamily="34" charset="0"/>
-                <a:cs typeface="Tahoma" panose="020B0604030504040204" pitchFamily="34" charset="0"/>
-              </a:rPr>
-              <a:t>import styles from './footer.module.css';</a:t>
-            </a:r>
-          </a:p>
-          <a:p>
-            <a:pPr lvl="2"/>
-            <a:r>
-              <a:rPr lang="en-US" dirty="0">
-                <a:latin typeface="Tahoma" panose="020B0604030504040204" pitchFamily="34" charset="0"/>
-                <a:ea typeface="Tahoma" panose="020B0604030504040204" pitchFamily="34" charset="0"/>
-                <a:cs typeface="Tahoma" panose="020B0604030504040204" pitchFamily="34" charset="0"/>
-              </a:rPr>
-              <a:t>import styles from './header.module.css</a:t>
-            </a:r>
-            <a:r>
-              <a:rPr lang="en-US" dirty="0" smtClean="0">
-                <a:latin typeface="Tahoma" panose="020B0604030504040204" pitchFamily="34" charset="0"/>
-                <a:ea typeface="Tahoma" panose="020B0604030504040204" pitchFamily="34" charset="0"/>
-                <a:cs typeface="Tahoma" panose="020B0604030504040204" pitchFamily="34" charset="0"/>
-              </a:rPr>
-              <a:t>';</a:t>
+              <a:t>Khi in ra nội dung của styles ở 2 file component thì ta thấy object và giá trị của nó sẽ mapping với tên class mới </a:t>
             </a:r>
             <a:endParaRPr lang="en-US" dirty="0">
               <a:latin typeface="Tahoma" panose="020B0604030504040204" pitchFamily="34" charset="0"/>
@@ -3629,8 +4848,8 @@
         </p:blipFill>
         <p:spPr>
           <a:xfrm>
-            <a:off x="7198614" y="2638044"/>
-            <a:ext cx="2762250" cy="2495550"/>
+            <a:off x="3352800" y="3594816"/>
+            <a:ext cx="5486400" cy="542925"/>
           </a:xfrm>
           <a:prstGeom prst="rect">
             <a:avLst/>
@@ -3640,7 +4859,2244 @@
     </p:spTree>
     <p:extLst>
       <p:ext uri="{BB962C8B-B14F-4D97-AF65-F5344CB8AC3E}">
-        <p14:creationId xmlns:p14="http://schemas.microsoft.com/office/powerpoint/2010/main" val="3720103638"/>
+        <p14:creationId xmlns:p14="http://schemas.microsoft.com/office/powerpoint/2010/main" val="3955388946"/>
+      </p:ext>
+    </p:extLst>
+  </p:cSld>
+  <p:clrMapOvr>
+    <a:masterClrMapping/>
+  </p:clrMapOvr>
+</p:sld>
+</file>
+
+<file path=ppt/slides/slide14.xml><?xml version="1.0" encoding="utf-8"?>
+<p:sld xmlns:a="http://schemas.openxmlformats.org/drawingml/2006/main" xmlns:r="http://schemas.openxmlformats.org/officeDocument/2006/relationships" xmlns:p="http://schemas.openxmlformats.org/presentationml/2006/main">
+  <p:cSld>
+    <p:spTree>
+      <p:nvGrpSpPr>
+        <p:cNvPr id="1" name=""/>
+        <p:cNvGrpSpPr/>
+        <p:nvPr/>
+      </p:nvGrpSpPr>
+      <p:grpSpPr>
+        <a:xfrm>
+          <a:off x="0" y="0"/>
+          <a:ext cx="0" cy="0"/>
+          <a:chOff x="0" y="0"/>
+          <a:chExt cx="0" cy="0"/>
+        </a:xfrm>
+      </p:grpSpPr>
+      <p:sp>
+        <p:nvSpPr>
+          <p:cNvPr id="2" name="Title 1"/>
+          <p:cNvSpPr>
+            <a:spLocks noGrp="1"/>
+          </p:cNvSpPr>
+          <p:nvPr>
+            <p:ph type="title"/>
+          </p:nvPr>
+        </p:nvSpPr>
+        <p:spPr/>
+        <p:txBody>
+          <a:bodyPr>
+            <a:normAutofit/>
+          </a:bodyPr>
+          <a:lstStyle/>
+          <a:p>
+            <a:r>
+              <a:rPr lang="en-US" dirty="0" smtClean="0">
+                <a:latin typeface="Tahoma" panose="020B0604030504040204" pitchFamily="34" charset="0"/>
+                <a:ea typeface="Tahoma" panose="020B0604030504040204" pitchFamily="34" charset="0"/>
+                <a:cs typeface="Tahoma" panose="020B0604030504040204" pitchFamily="34" charset="0"/>
+              </a:rPr>
+              <a:t>Css module</a:t>
+            </a:r>
+            <a:endParaRPr lang="en-US" dirty="0">
+              <a:latin typeface="Tahoma" panose="020B0604030504040204" pitchFamily="34" charset="0"/>
+              <a:ea typeface="Tahoma" panose="020B0604030504040204" pitchFamily="34" charset="0"/>
+              <a:cs typeface="Tahoma" panose="020B0604030504040204" pitchFamily="34" charset="0"/>
+            </a:endParaRPr>
+          </a:p>
+        </p:txBody>
+      </p:sp>
+      <p:sp>
+        <p:nvSpPr>
+          <p:cNvPr id="3" name="Content Placeholder 2"/>
+          <p:cNvSpPr>
+            <a:spLocks noGrp="1"/>
+          </p:cNvSpPr>
+          <p:nvPr>
+            <p:ph idx="1"/>
+          </p:nvPr>
+        </p:nvSpPr>
+        <p:spPr>
+          <a:xfrm>
+            <a:off x="2231136" y="2638044"/>
+            <a:ext cx="7729728" cy="3679629"/>
+          </a:xfrm>
+        </p:spPr>
+        <p:txBody>
+          <a:bodyPr>
+            <a:normAutofit/>
+          </a:bodyPr>
+          <a:lstStyle/>
+          <a:p>
+            <a:r>
+              <a:rPr lang="en-US" dirty="0" smtClean="0">
+                <a:latin typeface="Tahoma" panose="020B0604030504040204" pitchFamily="34" charset="0"/>
+                <a:ea typeface="Tahoma" panose="020B0604030504040204" pitchFamily="34" charset="0"/>
+                <a:cs typeface="Tahoma" panose="020B0604030504040204" pitchFamily="34" charset="0"/>
+              </a:rPr>
+              <a:t>Tuy nhiên với trường hợp sử dụng css module như này thì chúng ta không thể common được</a:t>
+            </a:r>
+          </a:p>
+          <a:p>
+            <a:r>
+              <a:rPr lang="en-US" dirty="0" smtClean="0">
+                <a:latin typeface="Tahoma" panose="020B0604030504040204" pitchFamily="34" charset="0"/>
+                <a:ea typeface="Tahoma" panose="020B0604030504040204" pitchFamily="34" charset="0"/>
+                <a:cs typeface="Tahoma" panose="020B0604030504040204" pitchFamily="34" charset="0"/>
+              </a:rPr>
+              <a:t>=&gt; Kết hợp cả CSS và CSS module</a:t>
+            </a:r>
+          </a:p>
+          <a:p>
+            <a:r>
+              <a:rPr lang="en-US" dirty="0" smtClean="0">
+                <a:latin typeface="Tahoma" panose="020B0604030504040204" pitchFamily="34" charset="0"/>
+                <a:ea typeface="Tahoma" panose="020B0604030504040204" pitchFamily="34" charset="0"/>
+                <a:cs typeface="Tahoma" panose="020B0604030504040204" pitchFamily="34" charset="0"/>
+              </a:rPr>
+              <a:t>=&gt; Những common thì để ở trong CSS, còn dùng riêng cho từng component thì sử dụng CSS module</a:t>
+            </a:r>
+            <a:endParaRPr lang="en-US" dirty="0">
+              <a:latin typeface="Tahoma" panose="020B0604030504040204" pitchFamily="34" charset="0"/>
+              <a:ea typeface="Tahoma" panose="020B0604030504040204" pitchFamily="34" charset="0"/>
+              <a:cs typeface="Tahoma" panose="020B0604030504040204" pitchFamily="34" charset="0"/>
+            </a:endParaRPr>
+          </a:p>
+        </p:txBody>
+      </p:sp>
+    </p:spTree>
+    <p:extLst>
+      <p:ext uri="{BB962C8B-B14F-4D97-AF65-F5344CB8AC3E}">
+        <p14:creationId xmlns:p14="http://schemas.microsoft.com/office/powerpoint/2010/main" val="3755096958"/>
+      </p:ext>
+    </p:extLst>
+  </p:cSld>
+  <p:clrMapOvr>
+    <a:masterClrMapping/>
+  </p:clrMapOvr>
+</p:sld>
+</file>
+
+<file path=ppt/slides/slide15.xml><?xml version="1.0" encoding="utf-8"?>
+<p:sld xmlns:a="http://schemas.openxmlformats.org/drawingml/2006/main" xmlns:r="http://schemas.openxmlformats.org/officeDocument/2006/relationships" xmlns:p="http://schemas.openxmlformats.org/presentationml/2006/main">
+  <p:cSld>
+    <p:spTree>
+      <p:nvGrpSpPr>
+        <p:cNvPr id="1" name=""/>
+        <p:cNvGrpSpPr/>
+        <p:nvPr/>
+      </p:nvGrpSpPr>
+      <p:grpSpPr>
+        <a:xfrm>
+          <a:off x="0" y="0"/>
+          <a:ext cx="0" cy="0"/>
+          <a:chOff x="0" y="0"/>
+          <a:chExt cx="0" cy="0"/>
+        </a:xfrm>
+      </p:grpSpPr>
+      <p:sp>
+        <p:nvSpPr>
+          <p:cNvPr id="2" name="Title 1"/>
+          <p:cNvSpPr>
+            <a:spLocks noGrp="1"/>
+          </p:cNvSpPr>
+          <p:nvPr>
+            <p:ph type="title"/>
+          </p:nvPr>
+        </p:nvSpPr>
+        <p:spPr/>
+        <p:txBody>
+          <a:bodyPr>
+            <a:normAutofit/>
+          </a:bodyPr>
+          <a:lstStyle/>
+          <a:p>
+            <a:r>
+              <a:rPr lang="en-US" dirty="0" smtClean="0">
+                <a:latin typeface="Tahoma" panose="020B0604030504040204" pitchFamily="34" charset="0"/>
+                <a:ea typeface="Tahoma" panose="020B0604030504040204" pitchFamily="34" charset="0"/>
+                <a:cs typeface="Tahoma" panose="020B0604030504040204" pitchFamily="34" charset="0"/>
+              </a:rPr>
+              <a:t>Css module</a:t>
+            </a:r>
+            <a:endParaRPr lang="en-US" dirty="0">
+              <a:latin typeface="Tahoma" panose="020B0604030504040204" pitchFamily="34" charset="0"/>
+              <a:ea typeface="Tahoma" panose="020B0604030504040204" pitchFamily="34" charset="0"/>
+              <a:cs typeface="Tahoma" panose="020B0604030504040204" pitchFamily="34" charset="0"/>
+            </a:endParaRPr>
+          </a:p>
+        </p:txBody>
+      </p:sp>
+      <p:sp>
+        <p:nvSpPr>
+          <p:cNvPr id="3" name="Content Placeholder 2"/>
+          <p:cNvSpPr>
+            <a:spLocks noGrp="1"/>
+          </p:cNvSpPr>
+          <p:nvPr>
+            <p:ph idx="1"/>
+          </p:nvPr>
+        </p:nvSpPr>
+        <p:spPr>
+          <a:xfrm>
+            <a:off x="2231136" y="2638044"/>
+            <a:ext cx="7729728" cy="3679629"/>
+          </a:xfrm>
+        </p:spPr>
+        <p:txBody>
+          <a:bodyPr>
+            <a:normAutofit/>
+          </a:bodyPr>
+          <a:lstStyle/>
+          <a:p>
+            <a:endParaRPr lang="en-US" dirty="0">
+              <a:latin typeface="Tahoma" panose="020B0604030504040204" pitchFamily="34" charset="0"/>
+              <a:ea typeface="Tahoma" panose="020B0604030504040204" pitchFamily="34" charset="0"/>
+              <a:cs typeface="Tahoma" panose="020B0604030504040204" pitchFamily="34" charset="0"/>
+            </a:endParaRPr>
+          </a:p>
+        </p:txBody>
+      </p:sp>
+      <p:sp>
+        <p:nvSpPr>
+          <p:cNvPr id="4" name="Rectangle 3"/>
+          <p:cNvSpPr/>
+          <p:nvPr/>
+        </p:nvSpPr>
+        <p:spPr>
+          <a:xfrm>
+            <a:off x="3048000" y="2883803"/>
+            <a:ext cx="6096000" cy="923330"/>
+          </a:xfrm>
+          <a:prstGeom prst="rect">
+            <a:avLst/>
+          </a:prstGeom>
+          <a:solidFill>
+            <a:schemeClr val="tx1"/>
+          </a:solidFill>
+        </p:spPr>
+        <p:txBody>
+          <a:bodyPr>
+            <a:spAutoFit/>
+          </a:bodyPr>
+          <a:lstStyle/>
+          <a:p>
+            <a:r>
+              <a:rPr lang="en-US" dirty="0">
+                <a:solidFill>
+                  <a:srgbClr val="D7BA7D"/>
+                </a:solidFill>
+                <a:latin typeface="Fira Code" pitchFamily="1" charset="0"/>
+              </a:rPr>
+              <a:t>.common</a:t>
+            </a:r>
+            <a:r>
+              <a:rPr lang="en-US" dirty="0">
+                <a:solidFill>
+                  <a:srgbClr val="CCCCCC"/>
+                </a:solidFill>
+                <a:latin typeface="Fira Code" pitchFamily="1" charset="0"/>
+              </a:rPr>
+              <a:t> {</a:t>
+            </a:r>
+          </a:p>
+          <a:p>
+            <a:r>
+              <a:rPr lang="en-US" dirty="0">
+                <a:solidFill>
+                  <a:srgbClr val="CCCCCC"/>
+                </a:solidFill>
+                <a:latin typeface="Fira Code" pitchFamily="1" charset="0"/>
+              </a:rPr>
+              <a:t>  </a:t>
+            </a:r>
+            <a:r>
+              <a:rPr lang="en-US" dirty="0">
+                <a:solidFill>
+                  <a:srgbClr val="9CDCFE"/>
+                </a:solidFill>
+                <a:latin typeface="Fira Code" pitchFamily="1" charset="0"/>
+              </a:rPr>
+              <a:t>font-size</a:t>
+            </a:r>
+            <a:r>
+              <a:rPr lang="en-US" dirty="0">
+                <a:solidFill>
+                  <a:srgbClr val="CCCCCC"/>
+                </a:solidFill>
+                <a:latin typeface="Fira Code" pitchFamily="1" charset="0"/>
+              </a:rPr>
+              <a:t>: </a:t>
+            </a:r>
+            <a:r>
+              <a:rPr lang="en-US" dirty="0">
+                <a:solidFill>
+                  <a:srgbClr val="B5CEA8"/>
+                </a:solidFill>
+                <a:latin typeface="Fira Code" pitchFamily="1" charset="0"/>
+              </a:rPr>
+              <a:t>14px</a:t>
+            </a:r>
+            <a:r>
+              <a:rPr lang="en-US" dirty="0">
+                <a:solidFill>
+                  <a:srgbClr val="CCCCCC"/>
+                </a:solidFill>
+                <a:latin typeface="Fira Code" pitchFamily="1" charset="0"/>
+              </a:rPr>
+              <a:t>;</a:t>
+            </a:r>
+          </a:p>
+          <a:p>
+            <a:r>
+              <a:rPr lang="en-US" dirty="0" smtClean="0">
+                <a:solidFill>
+                  <a:srgbClr val="CCCCCC"/>
+                </a:solidFill>
+                <a:latin typeface="Fira Code" pitchFamily="1" charset="0"/>
+              </a:rPr>
+              <a:t>}</a:t>
+            </a:r>
+            <a:endParaRPr lang="en-US" b="0" dirty="0">
+              <a:solidFill>
+                <a:srgbClr val="CCCCCC"/>
+              </a:solidFill>
+              <a:effectLst/>
+              <a:latin typeface="Fira Code" pitchFamily="1" charset="0"/>
+            </a:endParaRPr>
+          </a:p>
+        </p:txBody>
+      </p:sp>
+      <p:sp>
+        <p:nvSpPr>
+          <p:cNvPr id="5" name="Rectangle 4"/>
+          <p:cNvSpPr/>
+          <p:nvPr/>
+        </p:nvSpPr>
+        <p:spPr>
+          <a:xfrm>
+            <a:off x="3048000" y="4291765"/>
+            <a:ext cx="6096000" cy="1754326"/>
+          </a:xfrm>
+          <a:prstGeom prst="rect">
+            <a:avLst/>
+          </a:prstGeom>
+          <a:solidFill>
+            <a:schemeClr val="tx1"/>
+          </a:solidFill>
+        </p:spPr>
+        <p:txBody>
+          <a:bodyPr>
+            <a:spAutoFit/>
+          </a:bodyPr>
+          <a:lstStyle/>
+          <a:p>
+            <a:r>
+              <a:rPr lang="en-US" dirty="0">
+                <a:solidFill>
+                  <a:srgbClr val="C586C0"/>
+                </a:solidFill>
+                <a:latin typeface="Fira Code" pitchFamily="1" charset="0"/>
+              </a:rPr>
+              <a:t>import</a:t>
+            </a:r>
+            <a:r>
+              <a:rPr lang="en-US" dirty="0">
+                <a:solidFill>
+                  <a:srgbClr val="CCCCCC"/>
+                </a:solidFill>
+                <a:latin typeface="Fira Code" pitchFamily="1" charset="0"/>
+              </a:rPr>
+              <a:t> </a:t>
+            </a:r>
+            <a:r>
+              <a:rPr lang="en-US" dirty="0">
+                <a:solidFill>
+                  <a:srgbClr val="CE9178"/>
+                </a:solidFill>
+                <a:latin typeface="Fira Code" pitchFamily="1" charset="0"/>
+              </a:rPr>
+              <a:t>'./common.css'</a:t>
+            </a:r>
+            <a:r>
+              <a:rPr lang="en-US" dirty="0">
+                <a:solidFill>
+                  <a:srgbClr val="CCCCCC"/>
+                </a:solidFill>
+                <a:latin typeface="Fira Code" pitchFamily="1" charset="0"/>
+              </a:rPr>
+              <a:t>;</a:t>
+            </a:r>
+          </a:p>
+          <a:p>
+            <a:r>
+              <a:rPr lang="en-US" dirty="0">
+                <a:solidFill>
+                  <a:srgbClr val="CCCCCC"/>
+                </a:solidFill>
+                <a:latin typeface="Fira Code" pitchFamily="1" charset="0"/>
+              </a:rPr>
+              <a:t/>
+            </a:r>
+            <a:br>
+              <a:rPr lang="en-US" dirty="0">
+                <a:solidFill>
+                  <a:srgbClr val="CCCCCC"/>
+                </a:solidFill>
+                <a:latin typeface="Fira Code" pitchFamily="1" charset="0"/>
+              </a:rPr>
+            </a:br>
+            <a:r>
+              <a:rPr lang="en-US" dirty="0">
+                <a:solidFill>
+                  <a:srgbClr val="C586C0"/>
+                </a:solidFill>
+                <a:latin typeface="Fira Code" pitchFamily="1" charset="0"/>
+              </a:rPr>
+              <a:t>export</a:t>
+            </a:r>
+            <a:r>
+              <a:rPr lang="en-US" dirty="0">
+                <a:solidFill>
+                  <a:srgbClr val="CCCCCC"/>
+                </a:solidFill>
+                <a:latin typeface="Fira Code" pitchFamily="1" charset="0"/>
+              </a:rPr>
+              <a:t> </a:t>
+            </a:r>
+            <a:r>
+              <a:rPr lang="en-US" dirty="0">
+                <a:solidFill>
+                  <a:srgbClr val="C586C0"/>
+                </a:solidFill>
+                <a:latin typeface="Fira Code" pitchFamily="1" charset="0"/>
+              </a:rPr>
+              <a:t>default</a:t>
+            </a:r>
+            <a:r>
+              <a:rPr lang="en-US" dirty="0">
+                <a:solidFill>
+                  <a:srgbClr val="CCCCCC"/>
+                </a:solidFill>
+                <a:latin typeface="Fira Code" pitchFamily="1" charset="0"/>
+              </a:rPr>
+              <a:t> </a:t>
+            </a:r>
+            <a:r>
+              <a:rPr lang="en-US" dirty="0">
+                <a:solidFill>
+                  <a:srgbClr val="569CD6"/>
+                </a:solidFill>
+                <a:latin typeface="Fira Code" pitchFamily="1" charset="0"/>
+              </a:rPr>
+              <a:t>function</a:t>
+            </a:r>
+            <a:r>
+              <a:rPr lang="en-US" dirty="0">
+                <a:solidFill>
+                  <a:srgbClr val="CCCCCC"/>
+                </a:solidFill>
+                <a:latin typeface="Fira Code" pitchFamily="1" charset="0"/>
+              </a:rPr>
+              <a:t> </a:t>
+            </a:r>
+            <a:r>
+              <a:rPr lang="en-US" dirty="0">
+                <a:solidFill>
+                  <a:srgbClr val="DCDCAA"/>
+                </a:solidFill>
+                <a:latin typeface="Fira Code" pitchFamily="1" charset="0"/>
+              </a:rPr>
+              <a:t>CommonStyles</a:t>
+            </a:r>
+            <a:r>
+              <a:rPr lang="en-US" dirty="0">
+                <a:solidFill>
+                  <a:srgbClr val="CCCCCC"/>
+                </a:solidFill>
+                <a:latin typeface="Fira Code" pitchFamily="1" charset="0"/>
+              </a:rPr>
+              <a:t>({ </a:t>
+            </a:r>
+            <a:r>
+              <a:rPr lang="en-US" dirty="0">
+                <a:solidFill>
+                  <a:srgbClr val="9CDCFE"/>
+                </a:solidFill>
+                <a:latin typeface="Fira Code" pitchFamily="1" charset="0"/>
+              </a:rPr>
+              <a:t>children</a:t>
+            </a:r>
+            <a:r>
+              <a:rPr lang="en-US" dirty="0">
+                <a:solidFill>
+                  <a:srgbClr val="CCCCCC"/>
+                </a:solidFill>
+                <a:latin typeface="Fira Code" pitchFamily="1" charset="0"/>
+              </a:rPr>
+              <a:t> }) {</a:t>
+            </a:r>
+          </a:p>
+          <a:p>
+            <a:r>
+              <a:rPr lang="en-US" dirty="0">
+                <a:solidFill>
+                  <a:srgbClr val="CCCCCC"/>
+                </a:solidFill>
+                <a:latin typeface="Fira Code" pitchFamily="1" charset="0"/>
+              </a:rPr>
+              <a:t>  </a:t>
+            </a:r>
+            <a:r>
+              <a:rPr lang="en-US" dirty="0">
+                <a:solidFill>
+                  <a:srgbClr val="C586C0"/>
+                </a:solidFill>
+                <a:latin typeface="Fira Code" pitchFamily="1" charset="0"/>
+              </a:rPr>
+              <a:t>return</a:t>
+            </a:r>
+            <a:r>
+              <a:rPr lang="en-US" dirty="0">
+                <a:solidFill>
+                  <a:srgbClr val="CCCCCC"/>
+                </a:solidFill>
+                <a:latin typeface="Fira Code" pitchFamily="1" charset="0"/>
+              </a:rPr>
+              <a:t> </a:t>
+            </a:r>
+            <a:r>
+              <a:rPr lang="en-US" dirty="0">
+                <a:solidFill>
+                  <a:srgbClr val="9CDCFE"/>
+                </a:solidFill>
+                <a:latin typeface="Fira Code" pitchFamily="1" charset="0"/>
+              </a:rPr>
+              <a:t>children</a:t>
+            </a:r>
+            <a:r>
+              <a:rPr lang="en-US" dirty="0">
+                <a:solidFill>
+                  <a:srgbClr val="CCCCCC"/>
+                </a:solidFill>
+                <a:latin typeface="Fira Code" pitchFamily="1" charset="0"/>
+              </a:rPr>
+              <a:t>;</a:t>
+            </a:r>
+          </a:p>
+          <a:p>
+            <a:r>
+              <a:rPr lang="en-US" dirty="0" smtClean="0">
+                <a:solidFill>
+                  <a:srgbClr val="CCCCCC"/>
+                </a:solidFill>
+                <a:latin typeface="Fira Code" pitchFamily="1" charset="0"/>
+              </a:rPr>
+              <a:t>}</a:t>
+            </a:r>
+            <a:endParaRPr lang="en-US" b="0" dirty="0">
+              <a:solidFill>
+                <a:srgbClr val="CCCCCC"/>
+              </a:solidFill>
+              <a:effectLst/>
+              <a:latin typeface="Fira Code" pitchFamily="1" charset="0"/>
+            </a:endParaRPr>
+          </a:p>
+        </p:txBody>
+      </p:sp>
+    </p:spTree>
+    <p:extLst>
+      <p:ext uri="{BB962C8B-B14F-4D97-AF65-F5344CB8AC3E}">
+        <p14:creationId xmlns:p14="http://schemas.microsoft.com/office/powerpoint/2010/main" val="2551292598"/>
+      </p:ext>
+    </p:extLst>
+  </p:cSld>
+  <p:clrMapOvr>
+    <a:masterClrMapping/>
+  </p:clrMapOvr>
+</p:sld>
+</file>
+
+<file path=ppt/slides/slide16.xml><?xml version="1.0" encoding="utf-8"?>
+<p:sld xmlns:a="http://schemas.openxmlformats.org/drawingml/2006/main" xmlns:r="http://schemas.openxmlformats.org/officeDocument/2006/relationships" xmlns:p="http://schemas.openxmlformats.org/presentationml/2006/main">
+  <p:cSld>
+    <p:spTree>
+      <p:nvGrpSpPr>
+        <p:cNvPr id="1" name=""/>
+        <p:cNvGrpSpPr/>
+        <p:nvPr/>
+      </p:nvGrpSpPr>
+      <p:grpSpPr>
+        <a:xfrm>
+          <a:off x="0" y="0"/>
+          <a:ext cx="0" cy="0"/>
+          <a:chOff x="0" y="0"/>
+          <a:chExt cx="0" cy="0"/>
+        </a:xfrm>
+      </p:grpSpPr>
+      <p:sp>
+        <p:nvSpPr>
+          <p:cNvPr id="2" name="Title 1"/>
+          <p:cNvSpPr>
+            <a:spLocks noGrp="1"/>
+          </p:cNvSpPr>
+          <p:nvPr>
+            <p:ph type="title"/>
+          </p:nvPr>
+        </p:nvSpPr>
+        <p:spPr/>
+        <p:txBody>
+          <a:bodyPr>
+            <a:normAutofit/>
+          </a:bodyPr>
+          <a:lstStyle/>
+          <a:p>
+            <a:r>
+              <a:rPr lang="en-US" dirty="0" smtClean="0">
+                <a:latin typeface="Tahoma" panose="020B0604030504040204" pitchFamily="34" charset="0"/>
+                <a:ea typeface="Tahoma" panose="020B0604030504040204" pitchFamily="34" charset="0"/>
+                <a:cs typeface="Tahoma" panose="020B0604030504040204" pitchFamily="34" charset="0"/>
+              </a:rPr>
+              <a:t>Css module</a:t>
+            </a:r>
+            <a:endParaRPr lang="en-US" dirty="0">
+              <a:latin typeface="Tahoma" panose="020B0604030504040204" pitchFamily="34" charset="0"/>
+              <a:ea typeface="Tahoma" panose="020B0604030504040204" pitchFamily="34" charset="0"/>
+              <a:cs typeface="Tahoma" panose="020B0604030504040204" pitchFamily="34" charset="0"/>
+            </a:endParaRPr>
+          </a:p>
+        </p:txBody>
+      </p:sp>
+      <p:sp>
+        <p:nvSpPr>
+          <p:cNvPr id="3" name="Content Placeholder 2"/>
+          <p:cNvSpPr>
+            <a:spLocks noGrp="1"/>
+          </p:cNvSpPr>
+          <p:nvPr>
+            <p:ph idx="1"/>
+          </p:nvPr>
+        </p:nvSpPr>
+        <p:spPr>
+          <a:xfrm>
+            <a:off x="2231136" y="2638044"/>
+            <a:ext cx="7729728" cy="3679629"/>
+          </a:xfrm>
+        </p:spPr>
+        <p:txBody>
+          <a:bodyPr>
+            <a:normAutofit/>
+          </a:bodyPr>
+          <a:lstStyle/>
+          <a:p>
+            <a:endParaRPr lang="en-US" dirty="0">
+              <a:latin typeface="Tahoma" panose="020B0604030504040204" pitchFamily="34" charset="0"/>
+              <a:ea typeface="Tahoma" panose="020B0604030504040204" pitchFamily="34" charset="0"/>
+              <a:cs typeface="Tahoma" panose="020B0604030504040204" pitchFamily="34" charset="0"/>
+            </a:endParaRPr>
+          </a:p>
+        </p:txBody>
+      </p:sp>
+      <p:sp>
+        <p:nvSpPr>
+          <p:cNvPr id="5" name="Rectangle 4"/>
+          <p:cNvSpPr/>
+          <p:nvPr/>
+        </p:nvSpPr>
+        <p:spPr>
+          <a:xfrm>
+            <a:off x="3048000" y="2923586"/>
+            <a:ext cx="6096000" cy="3108543"/>
+          </a:xfrm>
+          <a:prstGeom prst="rect">
+            <a:avLst/>
+          </a:prstGeom>
+          <a:solidFill>
+            <a:schemeClr val="tx1"/>
+          </a:solidFill>
+        </p:spPr>
+        <p:txBody>
+          <a:bodyPr>
+            <a:spAutoFit/>
+          </a:bodyPr>
+          <a:lstStyle/>
+          <a:p>
+            <a:r>
+              <a:rPr lang="en-US" sz="1400" dirty="0">
+                <a:solidFill>
+                  <a:srgbClr val="C586C0"/>
+                </a:solidFill>
+                <a:latin typeface="Fira Code" pitchFamily="1" charset="0"/>
+              </a:rPr>
+              <a:t>import</a:t>
+            </a:r>
+            <a:r>
+              <a:rPr lang="en-US" sz="1400" dirty="0">
+                <a:solidFill>
+                  <a:srgbClr val="CCCCCC"/>
+                </a:solidFill>
+                <a:latin typeface="Fira Code" pitchFamily="1" charset="0"/>
+              </a:rPr>
+              <a:t> </a:t>
+            </a:r>
+            <a:r>
+              <a:rPr lang="en-US" sz="1400" dirty="0">
+                <a:solidFill>
+                  <a:srgbClr val="9CDCFE"/>
+                </a:solidFill>
+                <a:latin typeface="Fira Code" pitchFamily="1" charset="0"/>
+              </a:rPr>
+              <a:t>Header</a:t>
+            </a:r>
+            <a:r>
+              <a:rPr lang="en-US" sz="1400" dirty="0">
+                <a:solidFill>
+                  <a:srgbClr val="CCCCCC"/>
+                </a:solidFill>
+                <a:latin typeface="Fira Code" pitchFamily="1" charset="0"/>
+              </a:rPr>
+              <a:t> </a:t>
+            </a:r>
+            <a:r>
+              <a:rPr lang="en-US" sz="1400" dirty="0">
+                <a:solidFill>
+                  <a:srgbClr val="C586C0"/>
+                </a:solidFill>
+                <a:latin typeface="Fira Code" pitchFamily="1" charset="0"/>
+              </a:rPr>
+              <a:t>from</a:t>
+            </a:r>
+            <a:r>
+              <a:rPr lang="en-US" sz="1400" dirty="0">
+                <a:solidFill>
+                  <a:srgbClr val="CCCCCC"/>
+                </a:solidFill>
+                <a:latin typeface="Fira Code" pitchFamily="1" charset="0"/>
+              </a:rPr>
+              <a:t> </a:t>
+            </a:r>
+            <a:r>
+              <a:rPr lang="en-US" sz="1400" dirty="0">
+                <a:solidFill>
+                  <a:srgbClr val="CE9178"/>
+                </a:solidFill>
+                <a:latin typeface="Fira Code" pitchFamily="1" charset="0"/>
+              </a:rPr>
+              <a:t>'./components/header'</a:t>
+            </a:r>
+            <a:r>
+              <a:rPr lang="en-US" sz="1400" dirty="0">
+                <a:solidFill>
+                  <a:srgbClr val="CCCCCC"/>
+                </a:solidFill>
+                <a:latin typeface="Fira Code" pitchFamily="1" charset="0"/>
+              </a:rPr>
+              <a:t>;</a:t>
+            </a:r>
+          </a:p>
+          <a:p>
+            <a:r>
+              <a:rPr lang="en-US" sz="1400" dirty="0">
+                <a:solidFill>
+                  <a:srgbClr val="C586C0"/>
+                </a:solidFill>
+                <a:latin typeface="Fira Code" pitchFamily="1" charset="0"/>
+              </a:rPr>
+              <a:t>import</a:t>
+            </a:r>
+            <a:r>
+              <a:rPr lang="en-US" sz="1400" dirty="0">
+                <a:solidFill>
+                  <a:srgbClr val="CCCCCC"/>
+                </a:solidFill>
+                <a:latin typeface="Fira Code" pitchFamily="1" charset="0"/>
+              </a:rPr>
+              <a:t> </a:t>
+            </a:r>
+            <a:r>
+              <a:rPr lang="en-US" sz="1400" dirty="0">
+                <a:solidFill>
+                  <a:srgbClr val="9CDCFE"/>
+                </a:solidFill>
+                <a:latin typeface="Fira Code" pitchFamily="1" charset="0"/>
+              </a:rPr>
+              <a:t>Footer</a:t>
+            </a:r>
+            <a:r>
+              <a:rPr lang="en-US" sz="1400" dirty="0">
+                <a:solidFill>
+                  <a:srgbClr val="CCCCCC"/>
+                </a:solidFill>
+                <a:latin typeface="Fira Code" pitchFamily="1" charset="0"/>
+              </a:rPr>
+              <a:t> </a:t>
+            </a:r>
+            <a:r>
+              <a:rPr lang="en-US" sz="1400" dirty="0">
+                <a:solidFill>
+                  <a:srgbClr val="C586C0"/>
+                </a:solidFill>
+                <a:latin typeface="Fira Code" pitchFamily="1" charset="0"/>
+              </a:rPr>
+              <a:t>from</a:t>
+            </a:r>
+            <a:r>
+              <a:rPr lang="en-US" sz="1400" dirty="0">
+                <a:solidFill>
+                  <a:srgbClr val="CCCCCC"/>
+                </a:solidFill>
+                <a:latin typeface="Fira Code" pitchFamily="1" charset="0"/>
+              </a:rPr>
+              <a:t> </a:t>
+            </a:r>
+            <a:r>
+              <a:rPr lang="en-US" sz="1400" dirty="0">
+                <a:solidFill>
+                  <a:srgbClr val="CE9178"/>
+                </a:solidFill>
+                <a:latin typeface="Fira Code" pitchFamily="1" charset="0"/>
+              </a:rPr>
+              <a:t>'./components/footer'</a:t>
+            </a:r>
+            <a:r>
+              <a:rPr lang="en-US" sz="1400" dirty="0">
+                <a:solidFill>
+                  <a:srgbClr val="CCCCCC"/>
+                </a:solidFill>
+                <a:latin typeface="Fira Code" pitchFamily="1" charset="0"/>
+              </a:rPr>
+              <a:t>;</a:t>
+            </a:r>
+          </a:p>
+          <a:p>
+            <a:r>
+              <a:rPr lang="en-US" sz="1400" dirty="0">
+                <a:solidFill>
+                  <a:srgbClr val="C586C0"/>
+                </a:solidFill>
+                <a:latin typeface="Fira Code" pitchFamily="1" charset="0"/>
+              </a:rPr>
+              <a:t>import</a:t>
+            </a:r>
+            <a:r>
+              <a:rPr lang="en-US" sz="1400" dirty="0">
+                <a:solidFill>
+                  <a:srgbClr val="CCCCCC"/>
+                </a:solidFill>
+                <a:latin typeface="Fira Code" pitchFamily="1" charset="0"/>
+              </a:rPr>
+              <a:t> </a:t>
+            </a:r>
+            <a:r>
+              <a:rPr lang="en-US" sz="1400" dirty="0">
+                <a:solidFill>
+                  <a:srgbClr val="9CDCFE"/>
+                </a:solidFill>
+                <a:latin typeface="Fira Code" pitchFamily="1" charset="0"/>
+              </a:rPr>
+              <a:t>CommonStyles</a:t>
+            </a:r>
+            <a:r>
+              <a:rPr lang="en-US" sz="1400" dirty="0">
+                <a:solidFill>
+                  <a:srgbClr val="CCCCCC"/>
+                </a:solidFill>
+                <a:latin typeface="Fira Code" pitchFamily="1" charset="0"/>
+              </a:rPr>
+              <a:t> </a:t>
+            </a:r>
+            <a:r>
+              <a:rPr lang="en-US" sz="1400" dirty="0">
+                <a:solidFill>
+                  <a:srgbClr val="C586C0"/>
+                </a:solidFill>
+                <a:latin typeface="Fira Code" pitchFamily="1" charset="0"/>
+              </a:rPr>
+              <a:t>from</a:t>
+            </a:r>
+            <a:r>
+              <a:rPr lang="en-US" sz="1400" dirty="0">
+                <a:solidFill>
+                  <a:srgbClr val="CCCCCC"/>
+                </a:solidFill>
+                <a:latin typeface="Fira Code" pitchFamily="1" charset="0"/>
+              </a:rPr>
+              <a:t> </a:t>
+            </a:r>
+            <a:r>
+              <a:rPr lang="en-US" sz="1400" dirty="0">
+                <a:solidFill>
+                  <a:srgbClr val="CE9178"/>
+                </a:solidFill>
+                <a:latin typeface="Fira Code" pitchFamily="1" charset="0"/>
+              </a:rPr>
+              <a:t>'./components/common'</a:t>
+            </a:r>
+            <a:r>
+              <a:rPr lang="en-US" sz="1400" dirty="0">
+                <a:solidFill>
+                  <a:srgbClr val="CCCCCC"/>
+                </a:solidFill>
+                <a:latin typeface="Fira Code" pitchFamily="1" charset="0"/>
+              </a:rPr>
+              <a:t>;</a:t>
+            </a:r>
+          </a:p>
+          <a:p>
+            <a:r>
+              <a:rPr lang="en-US" sz="1400" dirty="0">
+                <a:solidFill>
+                  <a:srgbClr val="CCCCCC"/>
+                </a:solidFill>
+                <a:latin typeface="Fira Code" pitchFamily="1" charset="0"/>
+              </a:rPr>
+              <a:t/>
+            </a:r>
+            <a:br>
+              <a:rPr lang="en-US" sz="1400" dirty="0">
+                <a:solidFill>
+                  <a:srgbClr val="CCCCCC"/>
+                </a:solidFill>
+                <a:latin typeface="Fira Code" pitchFamily="1" charset="0"/>
+              </a:rPr>
+            </a:br>
+            <a:r>
+              <a:rPr lang="en-US" sz="1400" dirty="0">
+                <a:solidFill>
+                  <a:srgbClr val="C586C0"/>
+                </a:solidFill>
+                <a:latin typeface="Fira Code" pitchFamily="1" charset="0"/>
+              </a:rPr>
+              <a:t>export</a:t>
+            </a:r>
+            <a:r>
+              <a:rPr lang="en-US" sz="1400" dirty="0">
+                <a:solidFill>
+                  <a:srgbClr val="CCCCCC"/>
+                </a:solidFill>
+                <a:latin typeface="Fira Code" pitchFamily="1" charset="0"/>
+              </a:rPr>
+              <a:t> </a:t>
+            </a:r>
+            <a:r>
+              <a:rPr lang="en-US" sz="1400" dirty="0">
+                <a:solidFill>
+                  <a:srgbClr val="C586C0"/>
+                </a:solidFill>
+                <a:latin typeface="Fira Code" pitchFamily="1" charset="0"/>
+              </a:rPr>
+              <a:t>default</a:t>
+            </a:r>
+            <a:r>
+              <a:rPr lang="en-US" sz="1400" dirty="0">
+                <a:solidFill>
+                  <a:srgbClr val="CCCCCC"/>
+                </a:solidFill>
+                <a:latin typeface="Fira Code" pitchFamily="1" charset="0"/>
+              </a:rPr>
+              <a:t> </a:t>
+            </a:r>
+            <a:r>
+              <a:rPr lang="en-US" sz="1400" dirty="0">
+                <a:solidFill>
+                  <a:srgbClr val="569CD6"/>
+                </a:solidFill>
+                <a:latin typeface="Fira Code" pitchFamily="1" charset="0"/>
+              </a:rPr>
+              <a:t>function</a:t>
+            </a:r>
+            <a:r>
+              <a:rPr lang="en-US" sz="1400" dirty="0">
+                <a:solidFill>
+                  <a:srgbClr val="CCCCCC"/>
+                </a:solidFill>
+                <a:latin typeface="Fira Code" pitchFamily="1" charset="0"/>
+              </a:rPr>
+              <a:t> </a:t>
+            </a:r>
+            <a:r>
+              <a:rPr lang="en-US" sz="1400" dirty="0">
+                <a:solidFill>
+                  <a:srgbClr val="DCDCAA"/>
+                </a:solidFill>
+                <a:latin typeface="Fira Code" pitchFamily="1" charset="0"/>
+              </a:rPr>
+              <a:t>App</a:t>
+            </a:r>
+            <a:r>
+              <a:rPr lang="en-US" sz="1400" dirty="0">
+                <a:solidFill>
+                  <a:srgbClr val="CCCCCC"/>
+                </a:solidFill>
+                <a:latin typeface="Fira Code" pitchFamily="1" charset="0"/>
+              </a:rPr>
+              <a:t>() {</a:t>
+            </a:r>
+          </a:p>
+          <a:p>
+            <a:r>
+              <a:rPr lang="en-US" sz="1400" dirty="0">
+                <a:solidFill>
+                  <a:srgbClr val="CCCCCC"/>
+                </a:solidFill>
+                <a:latin typeface="Fira Code" pitchFamily="1" charset="0"/>
+              </a:rPr>
+              <a:t>  </a:t>
+            </a:r>
+            <a:r>
+              <a:rPr lang="en-US" sz="1400" dirty="0">
+                <a:solidFill>
+                  <a:srgbClr val="C586C0"/>
+                </a:solidFill>
+                <a:latin typeface="Fira Code" pitchFamily="1" charset="0"/>
+              </a:rPr>
+              <a:t>return</a:t>
+            </a:r>
+            <a:r>
+              <a:rPr lang="en-US" sz="1400" dirty="0">
+                <a:solidFill>
+                  <a:srgbClr val="CCCCCC"/>
+                </a:solidFill>
+                <a:latin typeface="Fira Code" pitchFamily="1" charset="0"/>
+              </a:rPr>
+              <a:t> (</a:t>
+            </a:r>
+          </a:p>
+          <a:p>
+            <a:r>
+              <a:rPr lang="en-US" sz="1400" dirty="0">
+                <a:solidFill>
+                  <a:srgbClr val="CCCCCC"/>
+                </a:solidFill>
+                <a:latin typeface="Fira Code" pitchFamily="1" charset="0"/>
+              </a:rPr>
+              <a:t>    </a:t>
+            </a:r>
+            <a:r>
+              <a:rPr lang="en-US" sz="1400" dirty="0">
+                <a:solidFill>
+                  <a:srgbClr val="808080"/>
+                </a:solidFill>
+                <a:latin typeface="Fira Code" pitchFamily="1" charset="0"/>
+              </a:rPr>
+              <a:t>&lt;</a:t>
+            </a:r>
+            <a:r>
+              <a:rPr lang="en-US" sz="1400" dirty="0">
+                <a:solidFill>
+                  <a:srgbClr val="4EC9B0"/>
+                </a:solidFill>
+                <a:latin typeface="Fira Code" pitchFamily="1" charset="0"/>
+              </a:rPr>
+              <a:t>CommonStyles</a:t>
+            </a:r>
+            <a:r>
+              <a:rPr lang="en-US" sz="1400" dirty="0">
+                <a:solidFill>
+                  <a:srgbClr val="808080"/>
+                </a:solidFill>
+                <a:latin typeface="Fira Code" pitchFamily="1" charset="0"/>
+              </a:rPr>
+              <a:t>&gt;</a:t>
+            </a:r>
+            <a:endParaRPr lang="en-US" sz="1400" dirty="0">
+              <a:solidFill>
+                <a:srgbClr val="CCCCCC"/>
+              </a:solidFill>
+              <a:latin typeface="Fira Code" pitchFamily="1" charset="0"/>
+            </a:endParaRPr>
+          </a:p>
+          <a:p>
+            <a:r>
+              <a:rPr lang="en-US" sz="1400" dirty="0">
+                <a:solidFill>
+                  <a:srgbClr val="CCCCCC"/>
+                </a:solidFill>
+                <a:latin typeface="Fira Code" pitchFamily="1" charset="0"/>
+              </a:rPr>
+              <a:t>      </a:t>
+            </a:r>
+            <a:r>
+              <a:rPr lang="en-US" sz="1400" dirty="0">
+                <a:solidFill>
+                  <a:srgbClr val="808080"/>
+                </a:solidFill>
+                <a:latin typeface="Fira Code" pitchFamily="1" charset="0"/>
+              </a:rPr>
+              <a:t>&lt;</a:t>
+            </a:r>
+            <a:r>
+              <a:rPr lang="en-US" sz="1400" dirty="0">
+                <a:solidFill>
+                  <a:srgbClr val="569CD6"/>
+                </a:solidFill>
+                <a:latin typeface="Fira Code" pitchFamily="1" charset="0"/>
+              </a:rPr>
+              <a:t>div</a:t>
+            </a:r>
+            <a:r>
+              <a:rPr lang="en-US" sz="1400" dirty="0">
+                <a:solidFill>
+                  <a:srgbClr val="CCCCCC"/>
+                </a:solidFill>
+                <a:latin typeface="Fira Code" pitchFamily="1" charset="0"/>
+              </a:rPr>
+              <a:t> </a:t>
+            </a:r>
+            <a:r>
+              <a:rPr lang="en-US" sz="1400" dirty="0">
+                <a:solidFill>
+                  <a:srgbClr val="9CDCFE"/>
+                </a:solidFill>
+                <a:latin typeface="Fira Code" pitchFamily="1" charset="0"/>
+              </a:rPr>
+              <a:t>style</a:t>
+            </a:r>
+            <a:r>
+              <a:rPr lang="en-US" sz="1400" dirty="0">
+                <a:solidFill>
+                  <a:srgbClr val="D4D4D4"/>
+                </a:solidFill>
+                <a:latin typeface="Fira Code" pitchFamily="1" charset="0"/>
+              </a:rPr>
+              <a:t>=</a:t>
+            </a:r>
+            <a:r>
+              <a:rPr lang="en-US" sz="1400" dirty="0">
+                <a:solidFill>
+                  <a:srgbClr val="569CD6"/>
+                </a:solidFill>
+                <a:latin typeface="Fira Code" pitchFamily="1" charset="0"/>
+              </a:rPr>
+              <a:t>{</a:t>
+            </a:r>
+            <a:r>
+              <a:rPr lang="en-US" sz="1400" dirty="0">
+                <a:solidFill>
+                  <a:srgbClr val="D4D4D4"/>
+                </a:solidFill>
+                <a:latin typeface="Fira Code" pitchFamily="1" charset="0"/>
+              </a:rPr>
+              <a:t>{ </a:t>
+            </a:r>
+            <a:r>
+              <a:rPr lang="en-US" sz="1400" dirty="0">
+                <a:solidFill>
+                  <a:srgbClr val="9CDCFE"/>
+                </a:solidFill>
+                <a:latin typeface="Fira Code" pitchFamily="1" charset="0"/>
+              </a:rPr>
+              <a:t>padding</a:t>
+            </a:r>
+            <a:r>
+              <a:rPr lang="en-US" sz="1400" dirty="0">
+                <a:solidFill>
+                  <a:srgbClr val="D4D4D4"/>
+                </a:solidFill>
+                <a:latin typeface="Fira Code" pitchFamily="1" charset="0"/>
+              </a:rPr>
+              <a:t>: </a:t>
+            </a:r>
+            <a:r>
+              <a:rPr lang="en-US" sz="1400" dirty="0">
+                <a:solidFill>
+                  <a:srgbClr val="B5CEA8"/>
+                </a:solidFill>
+                <a:latin typeface="Fira Code" pitchFamily="1" charset="0"/>
+              </a:rPr>
+              <a:t>20</a:t>
+            </a:r>
+            <a:r>
+              <a:rPr lang="en-US" sz="1400" dirty="0">
+                <a:solidFill>
+                  <a:srgbClr val="D4D4D4"/>
+                </a:solidFill>
+                <a:latin typeface="Fira Code" pitchFamily="1" charset="0"/>
+              </a:rPr>
+              <a:t> }</a:t>
+            </a:r>
+            <a:r>
+              <a:rPr lang="en-US" sz="1400" dirty="0">
+                <a:solidFill>
+                  <a:srgbClr val="569CD6"/>
+                </a:solidFill>
+                <a:latin typeface="Fira Code" pitchFamily="1" charset="0"/>
+              </a:rPr>
+              <a:t>}</a:t>
+            </a:r>
+            <a:r>
+              <a:rPr lang="en-US" sz="1400" dirty="0">
+                <a:solidFill>
+                  <a:srgbClr val="808080"/>
+                </a:solidFill>
+                <a:latin typeface="Fira Code" pitchFamily="1" charset="0"/>
+              </a:rPr>
+              <a:t>&gt;</a:t>
+            </a:r>
+            <a:endParaRPr lang="en-US" sz="1400" dirty="0">
+              <a:solidFill>
+                <a:srgbClr val="CCCCCC"/>
+              </a:solidFill>
+              <a:latin typeface="Fira Code" pitchFamily="1" charset="0"/>
+            </a:endParaRPr>
+          </a:p>
+          <a:p>
+            <a:r>
+              <a:rPr lang="en-US" sz="1400" dirty="0">
+                <a:solidFill>
+                  <a:srgbClr val="CCCCCC"/>
+                </a:solidFill>
+                <a:latin typeface="Fira Code" pitchFamily="1" charset="0"/>
+              </a:rPr>
+              <a:t>        </a:t>
+            </a:r>
+            <a:r>
+              <a:rPr lang="en-US" sz="1400" dirty="0">
+                <a:solidFill>
+                  <a:srgbClr val="808080"/>
+                </a:solidFill>
+                <a:latin typeface="Fira Code" pitchFamily="1" charset="0"/>
+              </a:rPr>
+              <a:t>&lt;</a:t>
+            </a:r>
+            <a:r>
+              <a:rPr lang="en-US" sz="1400" dirty="0">
+                <a:solidFill>
+                  <a:srgbClr val="4EC9B0"/>
+                </a:solidFill>
+                <a:latin typeface="Fira Code" pitchFamily="1" charset="0"/>
+              </a:rPr>
+              <a:t>Header</a:t>
+            </a:r>
+            <a:r>
+              <a:rPr lang="en-US" sz="1400" dirty="0">
+                <a:solidFill>
+                  <a:srgbClr val="CCCCCC"/>
+                </a:solidFill>
+                <a:latin typeface="Fira Code" pitchFamily="1" charset="0"/>
+              </a:rPr>
+              <a:t> </a:t>
+            </a:r>
+            <a:r>
+              <a:rPr lang="en-US" sz="1400" dirty="0">
+                <a:solidFill>
+                  <a:srgbClr val="808080"/>
+                </a:solidFill>
+                <a:latin typeface="Fira Code" pitchFamily="1" charset="0"/>
+              </a:rPr>
+              <a:t>/&gt;</a:t>
+            </a:r>
+            <a:endParaRPr lang="en-US" sz="1400" dirty="0">
+              <a:solidFill>
+                <a:srgbClr val="CCCCCC"/>
+              </a:solidFill>
+              <a:latin typeface="Fira Code" pitchFamily="1" charset="0"/>
+            </a:endParaRPr>
+          </a:p>
+          <a:p>
+            <a:r>
+              <a:rPr lang="en-US" sz="1400" dirty="0">
+                <a:solidFill>
+                  <a:srgbClr val="CCCCCC"/>
+                </a:solidFill>
+                <a:latin typeface="Fira Code" pitchFamily="1" charset="0"/>
+              </a:rPr>
+              <a:t>        </a:t>
+            </a:r>
+            <a:r>
+              <a:rPr lang="en-US" sz="1400" dirty="0">
+                <a:solidFill>
+                  <a:srgbClr val="808080"/>
+                </a:solidFill>
+                <a:latin typeface="Fira Code" pitchFamily="1" charset="0"/>
+              </a:rPr>
+              <a:t>&lt;</a:t>
+            </a:r>
+            <a:r>
+              <a:rPr lang="en-US" sz="1400" dirty="0">
+                <a:solidFill>
+                  <a:srgbClr val="4EC9B0"/>
+                </a:solidFill>
+                <a:latin typeface="Fira Code" pitchFamily="1" charset="0"/>
+              </a:rPr>
+              <a:t>Footer</a:t>
+            </a:r>
+            <a:r>
+              <a:rPr lang="en-US" sz="1400" dirty="0">
+                <a:solidFill>
+                  <a:srgbClr val="CCCCCC"/>
+                </a:solidFill>
+                <a:latin typeface="Fira Code" pitchFamily="1" charset="0"/>
+              </a:rPr>
+              <a:t> </a:t>
+            </a:r>
+            <a:r>
+              <a:rPr lang="en-US" sz="1400" dirty="0">
+                <a:solidFill>
+                  <a:srgbClr val="808080"/>
+                </a:solidFill>
+                <a:latin typeface="Fira Code" pitchFamily="1" charset="0"/>
+              </a:rPr>
+              <a:t>/&gt;</a:t>
+            </a:r>
+            <a:endParaRPr lang="en-US" sz="1400" dirty="0">
+              <a:solidFill>
+                <a:srgbClr val="CCCCCC"/>
+              </a:solidFill>
+              <a:latin typeface="Fira Code" pitchFamily="1" charset="0"/>
+            </a:endParaRPr>
+          </a:p>
+          <a:p>
+            <a:r>
+              <a:rPr lang="en-US" sz="1400" dirty="0">
+                <a:solidFill>
+                  <a:srgbClr val="CCCCCC"/>
+                </a:solidFill>
+                <a:latin typeface="Fira Code" pitchFamily="1" charset="0"/>
+              </a:rPr>
+              <a:t>      </a:t>
+            </a:r>
+            <a:r>
+              <a:rPr lang="en-US" sz="1400" dirty="0">
+                <a:solidFill>
+                  <a:srgbClr val="808080"/>
+                </a:solidFill>
+                <a:latin typeface="Fira Code" pitchFamily="1" charset="0"/>
+              </a:rPr>
+              <a:t>&lt;/</a:t>
+            </a:r>
+            <a:r>
+              <a:rPr lang="en-US" sz="1400" dirty="0">
+                <a:solidFill>
+                  <a:srgbClr val="569CD6"/>
+                </a:solidFill>
+                <a:latin typeface="Fira Code" pitchFamily="1" charset="0"/>
+              </a:rPr>
+              <a:t>div</a:t>
+            </a:r>
+            <a:r>
+              <a:rPr lang="en-US" sz="1400" dirty="0">
+                <a:solidFill>
+                  <a:srgbClr val="808080"/>
+                </a:solidFill>
+                <a:latin typeface="Fira Code" pitchFamily="1" charset="0"/>
+              </a:rPr>
+              <a:t>&gt;</a:t>
+            </a:r>
+            <a:endParaRPr lang="en-US" sz="1400" dirty="0">
+              <a:solidFill>
+                <a:srgbClr val="CCCCCC"/>
+              </a:solidFill>
+              <a:latin typeface="Fira Code" pitchFamily="1" charset="0"/>
+            </a:endParaRPr>
+          </a:p>
+          <a:p>
+            <a:r>
+              <a:rPr lang="en-US" sz="1400" dirty="0">
+                <a:solidFill>
+                  <a:srgbClr val="CCCCCC"/>
+                </a:solidFill>
+                <a:latin typeface="Fira Code" pitchFamily="1" charset="0"/>
+              </a:rPr>
+              <a:t>    </a:t>
+            </a:r>
+            <a:r>
+              <a:rPr lang="en-US" sz="1400" dirty="0">
+                <a:solidFill>
+                  <a:srgbClr val="808080"/>
+                </a:solidFill>
+                <a:latin typeface="Fira Code" pitchFamily="1" charset="0"/>
+              </a:rPr>
+              <a:t>&lt;/</a:t>
+            </a:r>
+            <a:r>
+              <a:rPr lang="en-US" sz="1400" dirty="0">
+                <a:solidFill>
+                  <a:srgbClr val="4EC9B0"/>
+                </a:solidFill>
+                <a:latin typeface="Fira Code" pitchFamily="1" charset="0"/>
+              </a:rPr>
+              <a:t>CommonStyles</a:t>
+            </a:r>
+            <a:r>
+              <a:rPr lang="en-US" sz="1400" dirty="0">
+                <a:solidFill>
+                  <a:srgbClr val="808080"/>
+                </a:solidFill>
+                <a:latin typeface="Fira Code" pitchFamily="1" charset="0"/>
+              </a:rPr>
+              <a:t>&gt;</a:t>
+            </a:r>
+            <a:endParaRPr lang="en-US" sz="1400" dirty="0">
+              <a:solidFill>
+                <a:srgbClr val="CCCCCC"/>
+              </a:solidFill>
+              <a:latin typeface="Fira Code" pitchFamily="1" charset="0"/>
+            </a:endParaRPr>
+          </a:p>
+          <a:p>
+            <a:r>
+              <a:rPr lang="en-US" sz="1400" dirty="0">
+                <a:solidFill>
+                  <a:srgbClr val="CCCCCC"/>
+                </a:solidFill>
+                <a:latin typeface="Fira Code" pitchFamily="1" charset="0"/>
+              </a:rPr>
+              <a:t>  );</a:t>
+            </a:r>
+          </a:p>
+          <a:p>
+            <a:r>
+              <a:rPr lang="en-US" sz="1400" dirty="0" smtClean="0">
+                <a:solidFill>
+                  <a:srgbClr val="CCCCCC"/>
+                </a:solidFill>
+                <a:latin typeface="Fira Code" pitchFamily="1" charset="0"/>
+              </a:rPr>
+              <a:t>}</a:t>
+            </a:r>
+            <a:endParaRPr lang="en-US" sz="1400" dirty="0">
+              <a:solidFill>
+                <a:srgbClr val="CCCCCC"/>
+              </a:solidFill>
+              <a:latin typeface="Fira Code" pitchFamily="1" charset="0"/>
+            </a:endParaRPr>
+          </a:p>
+        </p:txBody>
+      </p:sp>
+    </p:spTree>
+    <p:extLst>
+      <p:ext uri="{BB962C8B-B14F-4D97-AF65-F5344CB8AC3E}">
+        <p14:creationId xmlns:p14="http://schemas.microsoft.com/office/powerpoint/2010/main" val="1635219543"/>
+      </p:ext>
+    </p:extLst>
+  </p:cSld>
+  <p:clrMapOvr>
+    <a:masterClrMapping/>
+  </p:clrMapOvr>
+</p:sld>
+</file>
+
+<file path=ppt/slides/slide17.xml><?xml version="1.0" encoding="utf-8"?>
+<p:sld xmlns:a="http://schemas.openxmlformats.org/drawingml/2006/main" xmlns:r="http://schemas.openxmlformats.org/officeDocument/2006/relationships" xmlns:p="http://schemas.openxmlformats.org/presentationml/2006/main">
+  <p:cSld>
+    <p:spTree>
+      <p:nvGrpSpPr>
+        <p:cNvPr id="1" name=""/>
+        <p:cNvGrpSpPr/>
+        <p:nvPr/>
+      </p:nvGrpSpPr>
+      <p:grpSpPr>
+        <a:xfrm>
+          <a:off x="0" y="0"/>
+          <a:ext cx="0" cy="0"/>
+          <a:chOff x="0" y="0"/>
+          <a:chExt cx="0" cy="0"/>
+        </a:xfrm>
+      </p:grpSpPr>
+      <p:sp>
+        <p:nvSpPr>
+          <p:cNvPr id="2" name="Title 1"/>
+          <p:cNvSpPr>
+            <a:spLocks noGrp="1"/>
+          </p:cNvSpPr>
+          <p:nvPr>
+            <p:ph type="title"/>
+          </p:nvPr>
+        </p:nvSpPr>
+        <p:spPr/>
+        <p:txBody>
+          <a:bodyPr>
+            <a:normAutofit/>
+          </a:bodyPr>
+          <a:lstStyle/>
+          <a:p>
+            <a:r>
+              <a:rPr lang="en-US" dirty="0" smtClean="0">
+                <a:latin typeface="Tahoma" panose="020B0604030504040204" pitchFamily="34" charset="0"/>
+                <a:ea typeface="Tahoma" panose="020B0604030504040204" pitchFamily="34" charset="0"/>
+                <a:cs typeface="Tahoma" panose="020B0604030504040204" pitchFamily="34" charset="0"/>
+              </a:rPr>
+              <a:t>Css module</a:t>
+            </a:r>
+            <a:endParaRPr lang="en-US" dirty="0">
+              <a:latin typeface="Tahoma" panose="020B0604030504040204" pitchFamily="34" charset="0"/>
+              <a:ea typeface="Tahoma" panose="020B0604030504040204" pitchFamily="34" charset="0"/>
+              <a:cs typeface="Tahoma" panose="020B0604030504040204" pitchFamily="34" charset="0"/>
+            </a:endParaRPr>
+          </a:p>
+        </p:txBody>
+      </p:sp>
+      <p:sp>
+        <p:nvSpPr>
+          <p:cNvPr id="3" name="Content Placeholder 2"/>
+          <p:cNvSpPr>
+            <a:spLocks noGrp="1"/>
+          </p:cNvSpPr>
+          <p:nvPr>
+            <p:ph idx="1"/>
+          </p:nvPr>
+        </p:nvSpPr>
+        <p:spPr>
+          <a:xfrm>
+            <a:off x="2231136" y="2638044"/>
+            <a:ext cx="7729728" cy="3679629"/>
+          </a:xfrm>
+        </p:spPr>
+        <p:txBody>
+          <a:bodyPr>
+            <a:normAutofit/>
+          </a:bodyPr>
+          <a:lstStyle/>
+          <a:p>
+            <a:endParaRPr lang="en-US" dirty="0">
+              <a:latin typeface="Tahoma" panose="020B0604030504040204" pitchFamily="34" charset="0"/>
+              <a:ea typeface="Tahoma" panose="020B0604030504040204" pitchFamily="34" charset="0"/>
+              <a:cs typeface="Tahoma" panose="020B0604030504040204" pitchFamily="34" charset="0"/>
+            </a:endParaRPr>
+          </a:p>
+        </p:txBody>
+      </p:sp>
+      <p:sp>
+        <p:nvSpPr>
+          <p:cNvPr id="5" name="Rectangle 4"/>
+          <p:cNvSpPr/>
+          <p:nvPr/>
+        </p:nvSpPr>
+        <p:spPr>
+          <a:xfrm>
+            <a:off x="2231136" y="2923586"/>
+            <a:ext cx="7729728" cy="2462213"/>
+          </a:xfrm>
+          <a:prstGeom prst="rect">
+            <a:avLst/>
+          </a:prstGeom>
+          <a:solidFill>
+            <a:schemeClr val="tx1"/>
+          </a:solidFill>
+        </p:spPr>
+        <p:txBody>
+          <a:bodyPr wrap="square">
+            <a:spAutoFit/>
+          </a:bodyPr>
+          <a:lstStyle/>
+          <a:p>
+            <a:r>
+              <a:rPr lang="en-US" sz="1400" dirty="0">
+                <a:solidFill>
+                  <a:srgbClr val="C586C0"/>
+                </a:solidFill>
+                <a:latin typeface="Fira Code" pitchFamily="1" charset="0"/>
+              </a:rPr>
+              <a:t>import</a:t>
+            </a:r>
+            <a:r>
+              <a:rPr lang="en-US" sz="1400" dirty="0">
+                <a:solidFill>
+                  <a:srgbClr val="CCCCCC"/>
+                </a:solidFill>
+                <a:latin typeface="Fira Code" pitchFamily="1" charset="0"/>
+              </a:rPr>
+              <a:t> </a:t>
+            </a:r>
+            <a:r>
+              <a:rPr lang="en-US" sz="1400" dirty="0">
+                <a:solidFill>
+                  <a:srgbClr val="9CDCFE"/>
+                </a:solidFill>
+                <a:latin typeface="Fira Code" pitchFamily="1" charset="0"/>
+              </a:rPr>
+              <a:t>styles</a:t>
+            </a:r>
+            <a:r>
+              <a:rPr lang="en-US" sz="1400" dirty="0">
+                <a:solidFill>
+                  <a:srgbClr val="CCCCCC"/>
+                </a:solidFill>
+                <a:latin typeface="Fira Code" pitchFamily="1" charset="0"/>
+              </a:rPr>
+              <a:t> </a:t>
+            </a:r>
+            <a:r>
+              <a:rPr lang="en-US" sz="1400" dirty="0">
+                <a:solidFill>
+                  <a:srgbClr val="C586C0"/>
+                </a:solidFill>
+                <a:latin typeface="Fira Code" pitchFamily="1" charset="0"/>
+              </a:rPr>
+              <a:t>from</a:t>
+            </a:r>
+            <a:r>
+              <a:rPr lang="en-US" sz="1400" dirty="0">
+                <a:solidFill>
+                  <a:srgbClr val="CCCCCC"/>
+                </a:solidFill>
+                <a:latin typeface="Fira Code" pitchFamily="1" charset="0"/>
+              </a:rPr>
+              <a:t> </a:t>
+            </a:r>
+            <a:r>
+              <a:rPr lang="en-US" sz="1400" dirty="0">
+                <a:solidFill>
+                  <a:srgbClr val="CE9178"/>
+                </a:solidFill>
+                <a:latin typeface="Fira Code" pitchFamily="1" charset="0"/>
+              </a:rPr>
+              <a:t>'./footer.module.css'</a:t>
+            </a:r>
+            <a:r>
+              <a:rPr lang="en-US" sz="1400" dirty="0">
+                <a:solidFill>
+                  <a:srgbClr val="CCCCCC"/>
+                </a:solidFill>
+                <a:latin typeface="Fira Code" pitchFamily="1" charset="0"/>
+              </a:rPr>
+              <a:t>;</a:t>
+            </a:r>
+          </a:p>
+          <a:p>
+            <a:r>
+              <a:rPr lang="en-US" sz="1400" dirty="0">
+                <a:solidFill>
+                  <a:srgbClr val="CCCCCC"/>
+                </a:solidFill>
+                <a:latin typeface="Fira Code" pitchFamily="1" charset="0"/>
+              </a:rPr>
+              <a:t/>
+            </a:r>
+            <a:br>
+              <a:rPr lang="en-US" sz="1400" dirty="0">
+                <a:solidFill>
+                  <a:srgbClr val="CCCCCC"/>
+                </a:solidFill>
+                <a:latin typeface="Fira Code" pitchFamily="1" charset="0"/>
+              </a:rPr>
+            </a:br>
+            <a:r>
+              <a:rPr lang="en-US" sz="1400" dirty="0">
+                <a:solidFill>
+                  <a:srgbClr val="C586C0"/>
+                </a:solidFill>
+                <a:latin typeface="Fira Code" pitchFamily="1" charset="0"/>
+              </a:rPr>
+              <a:t>export</a:t>
+            </a:r>
+            <a:r>
+              <a:rPr lang="en-US" sz="1400" dirty="0">
+                <a:solidFill>
+                  <a:srgbClr val="CCCCCC"/>
+                </a:solidFill>
+                <a:latin typeface="Fira Code" pitchFamily="1" charset="0"/>
+              </a:rPr>
+              <a:t> </a:t>
+            </a:r>
+            <a:r>
+              <a:rPr lang="en-US" sz="1400" dirty="0">
+                <a:solidFill>
+                  <a:srgbClr val="C586C0"/>
+                </a:solidFill>
+                <a:latin typeface="Fira Code" pitchFamily="1" charset="0"/>
+              </a:rPr>
+              <a:t>default</a:t>
+            </a:r>
+            <a:r>
+              <a:rPr lang="en-US" sz="1400" dirty="0">
+                <a:solidFill>
+                  <a:srgbClr val="CCCCCC"/>
+                </a:solidFill>
+                <a:latin typeface="Fira Code" pitchFamily="1" charset="0"/>
+              </a:rPr>
+              <a:t> </a:t>
+            </a:r>
+            <a:r>
+              <a:rPr lang="en-US" sz="1400" dirty="0">
+                <a:solidFill>
+                  <a:srgbClr val="569CD6"/>
+                </a:solidFill>
+                <a:latin typeface="Fira Code" pitchFamily="1" charset="0"/>
+              </a:rPr>
+              <a:t>function</a:t>
+            </a:r>
+            <a:r>
+              <a:rPr lang="en-US" sz="1400" dirty="0">
+                <a:solidFill>
+                  <a:srgbClr val="CCCCCC"/>
+                </a:solidFill>
+                <a:latin typeface="Fira Code" pitchFamily="1" charset="0"/>
+              </a:rPr>
+              <a:t> </a:t>
+            </a:r>
+            <a:r>
+              <a:rPr lang="en-US" sz="1400" dirty="0">
+                <a:solidFill>
+                  <a:srgbClr val="DCDCAA"/>
+                </a:solidFill>
+                <a:latin typeface="Fira Code" pitchFamily="1" charset="0"/>
+              </a:rPr>
+              <a:t>Footer</a:t>
+            </a:r>
+            <a:r>
+              <a:rPr lang="en-US" sz="1400" dirty="0">
+                <a:solidFill>
+                  <a:srgbClr val="CCCCCC"/>
+                </a:solidFill>
+                <a:latin typeface="Fira Code" pitchFamily="1" charset="0"/>
+              </a:rPr>
+              <a:t>() {</a:t>
+            </a:r>
+          </a:p>
+          <a:p>
+            <a:r>
+              <a:rPr lang="en-US" sz="1400" dirty="0">
+                <a:solidFill>
+                  <a:srgbClr val="CCCCCC"/>
+                </a:solidFill>
+                <a:latin typeface="Fira Code" pitchFamily="1" charset="0"/>
+              </a:rPr>
+              <a:t>  </a:t>
+            </a:r>
+            <a:r>
+              <a:rPr lang="en-US" sz="1400" dirty="0">
+                <a:solidFill>
+                  <a:srgbClr val="9CDCFE"/>
+                </a:solidFill>
+                <a:latin typeface="Fira Code" pitchFamily="1" charset="0"/>
+              </a:rPr>
+              <a:t>console</a:t>
+            </a:r>
+            <a:r>
+              <a:rPr lang="en-US" sz="1400" dirty="0">
+                <a:solidFill>
+                  <a:srgbClr val="D4D4D4"/>
+                </a:solidFill>
+                <a:latin typeface="Fira Code" pitchFamily="1" charset="0"/>
+              </a:rPr>
+              <a:t>.</a:t>
+            </a:r>
+            <a:r>
+              <a:rPr lang="en-US" sz="1400" dirty="0">
+                <a:solidFill>
+                  <a:srgbClr val="DCDCAA"/>
+                </a:solidFill>
+                <a:latin typeface="Fira Code" pitchFamily="1" charset="0"/>
+              </a:rPr>
+              <a:t>log</a:t>
+            </a:r>
+            <a:r>
+              <a:rPr lang="en-US" sz="1400" dirty="0">
+                <a:solidFill>
+                  <a:srgbClr val="CCCCCC"/>
+                </a:solidFill>
+                <a:latin typeface="Fira Code" pitchFamily="1" charset="0"/>
+              </a:rPr>
+              <a:t>(</a:t>
+            </a:r>
+            <a:r>
+              <a:rPr lang="en-US" sz="1400" dirty="0">
+                <a:solidFill>
+                  <a:srgbClr val="4FC1FF"/>
+                </a:solidFill>
+                <a:latin typeface="Fira Code" pitchFamily="1" charset="0"/>
+              </a:rPr>
+              <a:t>styles</a:t>
+            </a:r>
+            <a:r>
+              <a:rPr lang="en-US" sz="1400" dirty="0">
+                <a:solidFill>
+                  <a:srgbClr val="CCCCCC"/>
+                </a:solidFill>
+                <a:latin typeface="Fira Code" pitchFamily="1" charset="0"/>
+              </a:rPr>
+              <a:t>);</a:t>
+            </a:r>
+          </a:p>
+          <a:p>
+            <a:r>
+              <a:rPr lang="en-US" sz="1400" dirty="0">
+                <a:solidFill>
+                  <a:srgbClr val="CCCCCC"/>
+                </a:solidFill>
+                <a:latin typeface="Fira Code" pitchFamily="1" charset="0"/>
+              </a:rPr>
+              <a:t>  </a:t>
+            </a:r>
+            <a:r>
+              <a:rPr lang="en-US" sz="1400" dirty="0">
+                <a:solidFill>
+                  <a:srgbClr val="C586C0"/>
+                </a:solidFill>
+                <a:latin typeface="Fira Code" pitchFamily="1" charset="0"/>
+              </a:rPr>
+              <a:t>return</a:t>
+            </a:r>
+            <a:r>
+              <a:rPr lang="en-US" sz="1400" dirty="0">
+                <a:solidFill>
+                  <a:srgbClr val="CCCCCC"/>
+                </a:solidFill>
+                <a:latin typeface="Fira Code" pitchFamily="1" charset="0"/>
+              </a:rPr>
+              <a:t> (</a:t>
+            </a:r>
+          </a:p>
+          <a:p>
+            <a:r>
+              <a:rPr lang="en-US" sz="1400" dirty="0">
+                <a:solidFill>
+                  <a:srgbClr val="CCCCCC"/>
+                </a:solidFill>
+                <a:latin typeface="Fira Code" pitchFamily="1" charset="0"/>
+              </a:rPr>
+              <a:t>    </a:t>
+            </a:r>
+            <a:r>
+              <a:rPr lang="en-US" sz="1400" dirty="0">
+                <a:solidFill>
+                  <a:srgbClr val="808080"/>
+                </a:solidFill>
+                <a:latin typeface="Fira Code" pitchFamily="1" charset="0"/>
+              </a:rPr>
+              <a:t>&lt;</a:t>
+            </a:r>
+            <a:r>
+              <a:rPr lang="en-US" sz="1400" dirty="0">
+                <a:solidFill>
+                  <a:srgbClr val="569CD6"/>
+                </a:solidFill>
+                <a:latin typeface="Fira Code" pitchFamily="1" charset="0"/>
+              </a:rPr>
+              <a:t>footer</a:t>
+            </a:r>
+            <a:r>
+              <a:rPr lang="en-US" sz="1400" dirty="0">
+                <a:solidFill>
+                  <a:srgbClr val="808080"/>
+                </a:solidFill>
+                <a:latin typeface="Fira Code" pitchFamily="1" charset="0"/>
+              </a:rPr>
+              <a:t>&gt;</a:t>
+            </a:r>
+            <a:endParaRPr lang="en-US" sz="1400" dirty="0">
+              <a:solidFill>
+                <a:srgbClr val="CCCCCC"/>
+              </a:solidFill>
+              <a:latin typeface="Fira Code" pitchFamily="1" charset="0"/>
+            </a:endParaRPr>
+          </a:p>
+          <a:p>
+            <a:r>
+              <a:rPr lang="en-US" sz="1400" dirty="0">
+                <a:solidFill>
+                  <a:srgbClr val="CCCCCC"/>
+                </a:solidFill>
+                <a:latin typeface="Fira Code" pitchFamily="1" charset="0"/>
+              </a:rPr>
+              <a:t>      </a:t>
+            </a:r>
+            <a:r>
+              <a:rPr lang="en-US" sz="1400" dirty="0">
+                <a:solidFill>
+                  <a:srgbClr val="808080"/>
+                </a:solidFill>
+                <a:latin typeface="Fira Code" pitchFamily="1" charset="0"/>
+              </a:rPr>
+              <a:t>&lt;</a:t>
+            </a:r>
+            <a:r>
+              <a:rPr lang="en-US" sz="1400" dirty="0">
+                <a:solidFill>
+                  <a:srgbClr val="569CD6"/>
+                </a:solidFill>
+                <a:latin typeface="Fira Code" pitchFamily="1" charset="0"/>
+              </a:rPr>
+              <a:t>h3</a:t>
+            </a:r>
+            <a:r>
+              <a:rPr lang="en-US" sz="1400" dirty="0">
+                <a:solidFill>
+                  <a:srgbClr val="CCCCCC"/>
+                </a:solidFill>
+                <a:latin typeface="Fira Code" pitchFamily="1" charset="0"/>
+              </a:rPr>
+              <a:t> </a:t>
+            </a:r>
+            <a:r>
+              <a:rPr lang="en-US" sz="1400" dirty="0">
+                <a:solidFill>
+                  <a:srgbClr val="9CDCFE"/>
+                </a:solidFill>
+                <a:latin typeface="Fira Code" pitchFamily="1" charset="0"/>
+              </a:rPr>
+              <a:t>className</a:t>
+            </a:r>
+            <a:r>
+              <a:rPr lang="en-US" sz="1400" dirty="0">
+                <a:solidFill>
+                  <a:srgbClr val="D4D4D4"/>
+                </a:solidFill>
+                <a:latin typeface="Fira Code" pitchFamily="1" charset="0"/>
+              </a:rPr>
+              <a:t>=</a:t>
+            </a:r>
+            <a:r>
+              <a:rPr lang="en-US" sz="1400" dirty="0">
+                <a:solidFill>
+                  <a:srgbClr val="569CD6"/>
+                </a:solidFill>
+                <a:latin typeface="Fira Code" pitchFamily="1" charset="0"/>
+              </a:rPr>
+              <a:t>{</a:t>
+            </a:r>
+            <a:r>
+              <a:rPr lang="en-US" sz="1400" dirty="0">
+                <a:solidFill>
+                  <a:srgbClr val="4FC1FF"/>
+                </a:solidFill>
+                <a:latin typeface="Fira Code" pitchFamily="1" charset="0"/>
+              </a:rPr>
+              <a:t>styles</a:t>
+            </a:r>
+            <a:r>
+              <a:rPr lang="en-US" sz="1400" dirty="0">
+                <a:solidFill>
+                  <a:srgbClr val="D4D4D4"/>
+                </a:solidFill>
+                <a:latin typeface="Fira Code" pitchFamily="1" charset="0"/>
+              </a:rPr>
+              <a:t>.</a:t>
+            </a:r>
+            <a:r>
+              <a:rPr lang="en-US" sz="1400" dirty="0">
+                <a:solidFill>
+                  <a:srgbClr val="9CDCFE"/>
+                </a:solidFill>
+                <a:latin typeface="Fira Code" pitchFamily="1" charset="0"/>
+              </a:rPr>
+              <a:t>header</a:t>
+            </a:r>
+            <a:r>
+              <a:rPr lang="en-US" sz="1400" dirty="0">
+                <a:solidFill>
+                  <a:srgbClr val="D4D4D4"/>
+                </a:solidFill>
+                <a:latin typeface="Fira Code" pitchFamily="1" charset="0"/>
+              </a:rPr>
+              <a:t> + </a:t>
+            </a:r>
+            <a:r>
+              <a:rPr lang="en-US" sz="1400" dirty="0">
+                <a:solidFill>
+                  <a:srgbClr val="CE9178"/>
+                </a:solidFill>
+                <a:latin typeface="Fira Code" pitchFamily="1" charset="0"/>
+              </a:rPr>
+              <a:t>' common'</a:t>
+            </a:r>
+            <a:r>
+              <a:rPr lang="en-US" sz="1400" dirty="0">
+                <a:solidFill>
+                  <a:srgbClr val="569CD6"/>
+                </a:solidFill>
+                <a:latin typeface="Fira Code" pitchFamily="1" charset="0"/>
+              </a:rPr>
+              <a:t>}</a:t>
+            </a:r>
+            <a:r>
+              <a:rPr lang="en-US" sz="1400" dirty="0">
+                <a:solidFill>
+                  <a:srgbClr val="808080"/>
+                </a:solidFill>
+                <a:latin typeface="Fira Code" pitchFamily="1" charset="0"/>
+              </a:rPr>
+              <a:t>&gt;</a:t>
+            </a:r>
+            <a:r>
+              <a:rPr lang="en-US" sz="1400" dirty="0">
+                <a:solidFill>
+                  <a:srgbClr val="CCCCCC"/>
+                </a:solidFill>
+                <a:latin typeface="Fira Code" pitchFamily="1" charset="0"/>
+              </a:rPr>
+              <a:t>Header footer</a:t>
+            </a:r>
+            <a:r>
+              <a:rPr lang="en-US" sz="1400" dirty="0">
+                <a:solidFill>
+                  <a:srgbClr val="808080"/>
+                </a:solidFill>
+                <a:latin typeface="Fira Code" pitchFamily="1" charset="0"/>
+              </a:rPr>
+              <a:t>&lt;/</a:t>
+            </a:r>
+            <a:r>
+              <a:rPr lang="en-US" sz="1400" dirty="0">
+                <a:solidFill>
+                  <a:srgbClr val="569CD6"/>
+                </a:solidFill>
+                <a:latin typeface="Fira Code" pitchFamily="1" charset="0"/>
+              </a:rPr>
+              <a:t>h3</a:t>
+            </a:r>
+            <a:r>
+              <a:rPr lang="en-US" sz="1400" dirty="0">
+                <a:solidFill>
+                  <a:srgbClr val="808080"/>
+                </a:solidFill>
+                <a:latin typeface="Fira Code" pitchFamily="1" charset="0"/>
+              </a:rPr>
+              <a:t>&gt;</a:t>
+            </a:r>
+            <a:endParaRPr lang="en-US" sz="1400" dirty="0">
+              <a:solidFill>
+                <a:srgbClr val="CCCCCC"/>
+              </a:solidFill>
+              <a:latin typeface="Fira Code" pitchFamily="1" charset="0"/>
+            </a:endParaRPr>
+          </a:p>
+          <a:p>
+            <a:r>
+              <a:rPr lang="en-US" sz="1400" dirty="0">
+                <a:solidFill>
+                  <a:srgbClr val="CCCCCC"/>
+                </a:solidFill>
+                <a:latin typeface="Fira Code" pitchFamily="1" charset="0"/>
+              </a:rPr>
+              <a:t>      </a:t>
+            </a:r>
+            <a:r>
+              <a:rPr lang="en-US" sz="1400" dirty="0">
+                <a:solidFill>
+                  <a:srgbClr val="808080"/>
+                </a:solidFill>
+                <a:latin typeface="Fira Code" pitchFamily="1" charset="0"/>
+              </a:rPr>
+              <a:t>&lt;</a:t>
+            </a:r>
+            <a:r>
+              <a:rPr lang="en-US" sz="1400" dirty="0">
+                <a:solidFill>
+                  <a:srgbClr val="569CD6"/>
+                </a:solidFill>
+                <a:latin typeface="Fira Code" pitchFamily="1" charset="0"/>
+              </a:rPr>
+              <a:t>p</a:t>
+            </a:r>
+            <a:r>
+              <a:rPr lang="en-US" sz="1400" dirty="0">
+                <a:solidFill>
+                  <a:srgbClr val="CCCCCC"/>
+                </a:solidFill>
+                <a:latin typeface="Fira Code" pitchFamily="1" charset="0"/>
+              </a:rPr>
+              <a:t> </a:t>
+            </a:r>
+            <a:r>
+              <a:rPr lang="en-US" sz="1400" dirty="0">
+                <a:solidFill>
+                  <a:srgbClr val="9CDCFE"/>
+                </a:solidFill>
+                <a:latin typeface="Fira Code" pitchFamily="1" charset="0"/>
+              </a:rPr>
+              <a:t>className</a:t>
+            </a:r>
+            <a:r>
+              <a:rPr lang="en-US" sz="1400" dirty="0">
+                <a:solidFill>
+                  <a:srgbClr val="D4D4D4"/>
+                </a:solidFill>
+                <a:latin typeface="Fira Code" pitchFamily="1" charset="0"/>
+              </a:rPr>
+              <a:t>=</a:t>
+            </a:r>
+            <a:r>
+              <a:rPr lang="en-US" sz="1400" dirty="0">
+                <a:solidFill>
+                  <a:srgbClr val="569CD6"/>
+                </a:solidFill>
+                <a:latin typeface="Fira Code" pitchFamily="1" charset="0"/>
+              </a:rPr>
+              <a:t>{</a:t>
+            </a:r>
+            <a:r>
+              <a:rPr lang="en-US" sz="1400" dirty="0">
+                <a:solidFill>
+                  <a:srgbClr val="4FC1FF"/>
+                </a:solidFill>
+                <a:latin typeface="Fira Code" pitchFamily="1" charset="0"/>
+              </a:rPr>
+              <a:t>styles</a:t>
+            </a:r>
+            <a:r>
+              <a:rPr lang="en-US" sz="1400" dirty="0">
+                <a:solidFill>
+                  <a:srgbClr val="D4D4D4"/>
+                </a:solidFill>
+                <a:latin typeface="Fira Code" pitchFamily="1" charset="0"/>
+              </a:rPr>
+              <a:t>.</a:t>
+            </a:r>
+            <a:r>
+              <a:rPr lang="en-US" sz="1400" dirty="0">
+                <a:solidFill>
+                  <a:srgbClr val="9CDCFE"/>
+                </a:solidFill>
+                <a:latin typeface="Fira Code" pitchFamily="1" charset="0"/>
+              </a:rPr>
+              <a:t>footer</a:t>
+            </a:r>
+            <a:r>
+              <a:rPr lang="en-US" sz="1400" dirty="0">
+                <a:solidFill>
+                  <a:srgbClr val="569CD6"/>
+                </a:solidFill>
+                <a:latin typeface="Fira Code" pitchFamily="1" charset="0"/>
+              </a:rPr>
+              <a:t>}</a:t>
+            </a:r>
+            <a:r>
+              <a:rPr lang="en-US" sz="1400" dirty="0">
+                <a:solidFill>
+                  <a:srgbClr val="808080"/>
+                </a:solidFill>
+                <a:latin typeface="Fira Code" pitchFamily="1" charset="0"/>
+              </a:rPr>
+              <a:t>&gt;</a:t>
+            </a:r>
+            <a:r>
+              <a:rPr lang="en-US" sz="1400" dirty="0">
+                <a:solidFill>
+                  <a:srgbClr val="CCCCCC"/>
+                </a:solidFill>
+                <a:latin typeface="Fira Code" pitchFamily="1" charset="0"/>
+              </a:rPr>
+              <a:t>Footer</a:t>
+            </a:r>
+            <a:r>
+              <a:rPr lang="en-US" sz="1400" dirty="0">
+                <a:solidFill>
+                  <a:srgbClr val="808080"/>
+                </a:solidFill>
+                <a:latin typeface="Fira Code" pitchFamily="1" charset="0"/>
+              </a:rPr>
+              <a:t>&lt;/</a:t>
+            </a:r>
+            <a:r>
+              <a:rPr lang="en-US" sz="1400" dirty="0">
+                <a:solidFill>
+                  <a:srgbClr val="569CD6"/>
+                </a:solidFill>
+                <a:latin typeface="Fira Code" pitchFamily="1" charset="0"/>
+              </a:rPr>
+              <a:t>p</a:t>
+            </a:r>
+            <a:r>
+              <a:rPr lang="en-US" sz="1400" dirty="0">
+                <a:solidFill>
+                  <a:srgbClr val="808080"/>
+                </a:solidFill>
+                <a:latin typeface="Fira Code" pitchFamily="1" charset="0"/>
+              </a:rPr>
+              <a:t>&gt;</a:t>
+            </a:r>
+            <a:endParaRPr lang="en-US" sz="1400" dirty="0">
+              <a:solidFill>
+                <a:srgbClr val="CCCCCC"/>
+              </a:solidFill>
+              <a:latin typeface="Fira Code" pitchFamily="1" charset="0"/>
+            </a:endParaRPr>
+          </a:p>
+          <a:p>
+            <a:r>
+              <a:rPr lang="en-US" sz="1400" dirty="0">
+                <a:solidFill>
+                  <a:srgbClr val="CCCCCC"/>
+                </a:solidFill>
+                <a:latin typeface="Fira Code" pitchFamily="1" charset="0"/>
+              </a:rPr>
+              <a:t>    </a:t>
+            </a:r>
+            <a:r>
+              <a:rPr lang="en-US" sz="1400" dirty="0">
+                <a:solidFill>
+                  <a:srgbClr val="808080"/>
+                </a:solidFill>
+                <a:latin typeface="Fira Code" pitchFamily="1" charset="0"/>
+              </a:rPr>
+              <a:t>&lt;/</a:t>
+            </a:r>
+            <a:r>
+              <a:rPr lang="en-US" sz="1400" dirty="0">
+                <a:solidFill>
+                  <a:srgbClr val="569CD6"/>
+                </a:solidFill>
+                <a:latin typeface="Fira Code" pitchFamily="1" charset="0"/>
+              </a:rPr>
+              <a:t>footer</a:t>
+            </a:r>
+            <a:r>
+              <a:rPr lang="en-US" sz="1400" dirty="0">
+                <a:solidFill>
+                  <a:srgbClr val="808080"/>
+                </a:solidFill>
+                <a:latin typeface="Fira Code" pitchFamily="1" charset="0"/>
+              </a:rPr>
+              <a:t>&gt;</a:t>
+            </a:r>
+            <a:endParaRPr lang="en-US" sz="1400" dirty="0">
+              <a:solidFill>
+                <a:srgbClr val="CCCCCC"/>
+              </a:solidFill>
+              <a:latin typeface="Fira Code" pitchFamily="1" charset="0"/>
+            </a:endParaRPr>
+          </a:p>
+          <a:p>
+            <a:r>
+              <a:rPr lang="en-US" sz="1400" dirty="0">
+                <a:solidFill>
+                  <a:srgbClr val="CCCCCC"/>
+                </a:solidFill>
+                <a:latin typeface="Fira Code" pitchFamily="1" charset="0"/>
+              </a:rPr>
+              <a:t>  );</a:t>
+            </a:r>
+          </a:p>
+          <a:p>
+            <a:r>
+              <a:rPr lang="en-US" sz="1400" dirty="0">
+                <a:solidFill>
+                  <a:srgbClr val="CCCCCC"/>
+                </a:solidFill>
+                <a:latin typeface="Fira Code" pitchFamily="1" charset="0"/>
+              </a:rPr>
+              <a:t>}</a:t>
+            </a:r>
+            <a:endParaRPr lang="en-US" sz="1400" b="0" dirty="0">
+              <a:solidFill>
+                <a:srgbClr val="CCCCCC"/>
+              </a:solidFill>
+              <a:effectLst/>
+              <a:latin typeface="Fira Code" pitchFamily="1" charset="0"/>
+            </a:endParaRPr>
+          </a:p>
+        </p:txBody>
+      </p:sp>
+    </p:spTree>
+    <p:extLst>
+      <p:ext uri="{BB962C8B-B14F-4D97-AF65-F5344CB8AC3E}">
+        <p14:creationId xmlns:p14="http://schemas.microsoft.com/office/powerpoint/2010/main" val="2995012677"/>
       </p:ext>
     </p:extLst>
   </p:cSld>
@@ -4670,11 +8126,6 @@
               </a:rPr>
               <a:t>-&gt; CSS internal</a:t>
             </a:r>
-            <a:endParaRPr lang="en-US" dirty="0" smtClean="0">
-              <a:latin typeface="Tahoma" panose="020B0604030504040204" pitchFamily="34" charset="0"/>
-              <a:ea typeface="Tahoma" panose="020B0604030504040204" pitchFamily="34" charset="0"/>
-              <a:cs typeface="Tahoma" panose="020B0604030504040204" pitchFamily="34" charset="0"/>
-            </a:endParaRPr>
           </a:p>
         </p:txBody>
       </p:sp>
@@ -4987,15 +8438,18 @@
                 <a:ea typeface="Tahoma" panose="020B0604030504040204" pitchFamily="34" charset="0"/>
                 <a:cs typeface="Tahoma" panose="020B0604030504040204" pitchFamily="34" charset="0"/>
               </a:rPr>
-              <a:t>Có một vấn đề đó là k</a:t>
-            </a:r>
+              <a:t>Có một vấn đề đó là khi ra code CSS sử dụng cho nhiều component</a:t>
+            </a:r>
+          </a:p>
+          <a:p>
+            <a:pPr lvl="1"/>
             <a:r>
               <a:rPr lang="en-US" dirty="0" smtClean="0">
                 <a:latin typeface="Tahoma" panose="020B0604030504040204" pitchFamily="34" charset="0"/>
                 <a:ea typeface="Tahoma" panose="020B0604030504040204" pitchFamily="34" charset="0"/>
                 <a:cs typeface="Tahoma" panose="020B0604030504040204" pitchFamily="34" charset="0"/>
               </a:rPr>
-              <a:t>hi ra code CSS sử dụng cho nhiều component</a:t>
+              <a:t>-&gt; CSS sẽ phát sinh ra nhiều, việc tìm kiếm và chỉnh sửa cũng sẽ mất thời gian</a:t>
             </a:r>
           </a:p>
           <a:p>
@@ -5006,18 +8460,23 @@
                 <a:ea typeface="Tahoma" panose="020B0604030504040204" pitchFamily="34" charset="0"/>
                 <a:cs typeface="Tahoma" panose="020B0604030504040204" pitchFamily="34" charset="0"/>
               </a:rPr>
-              <a:t>-&gt; CSS sẽ phát sinh ra nhiều, việc tìm kiếm và chỉnh sửa cũng sẽ mất thời gian</a:t>
-            </a:r>
-          </a:p>
-          <a:p>
-            <a:pPr lvl="1"/>
+              <a:t>-&gt; Hoặc khi mình sửa/xóa code trong component hoặc xóa component thì việc tìm CSS không sử dụng nữa để xóa </a:t>
+            </a:r>
+            <a:r>
+              <a:rPr lang="en-US" dirty="0">
+                <a:latin typeface="Tahoma" panose="020B0604030504040204" pitchFamily="34" charset="0"/>
+                <a:ea typeface="Tahoma" panose="020B0604030504040204" pitchFamily="34" charset="0"/>
+                <a:cs typeface="Tahoma" panose="020B0604030504040204" pitchFamily="34" charset="0"/>
+              </a:rPr>
+              <a:t>cũng </a:t>
+            </a:r>
             <a:r>
               <a:rPr lang="en-US" dirty="0" smtClean="0">
                 <a:latin typeface="Tahoma" panose="020B0604030504040204" pitchFamily="34" charset="0"/>
                 <a:ea typeface="Tahoma" panose="020B0604030504040204" pitchFamily="34" charset="0"/>
                 <a:cs typeface="Tahoma" panose="020B0604030504040204" pitchFamily="34" charset="0"/>
               </a:rPr>
-              <a:t>-&gt; Hoặc khi mình sửa/xóa code trong component hoặc xóa component thì việc tìm CSS không sử dụng nữa để xóa </a:t>
+              <a:t>sẽ </a:t>
             </a:r>
             <a:r>
               <a:rPr lang="en-US" dirty="0">
@@ -5025,7 +8484,7 @@
                 <a:ea typeface="Tahoma" panose="020B0604030504040204" pitchFamily="34" charset="0"/>
                 <a:cs typeface="Tahoma" panose="020B0604030504040204" pitchFamily="34" charset="0"/>
               </a:rPr>
-              <a:t>cũng </a:t>
+              <a:t>mất thời </a:t>
             </a:r>
             <a:r>
               <a:rPr lang="en-US" dirty="0" smtClean="0">
@@ -5033,31 +8492,7 @@
                 <a:ea typeface="Tahoma" panose="020B0604030504040204" pitchFamily="34" charset="0"/>
                 <a:cs typeface="Tahoma" panose="020B0604030504040204" pitchFamily="34" charset="0"/>
               </a:rPr>
-              <a:t>sẽ </a:t>
-            </a:r>
-            <a:r>
-              <a:rPr lang="en-US" dirty="0">
-                <a:latin typeface="Tahoma" panose="020B0604030504040204" pitchFamily="34" charset="0"/>
-                <a:ea typeface="Tahoma" panose="020B0604030504040204" pitchFamily="34" charset="0"/>
-                <a:cs typeface="Tahoma" panose="020B0604030504040204" pitchFamily="34" charset="0"/>
-              </a:rPr>
-              <a:t>mất thời </a:t>
-            </a:r>
-            <a:r>
-              <a:rPr lang="en-US" dirty="0" smtClean="0">
-                <a:latin typeface="Tahoma" panose="020B0604030504040204" pitchFamily="34" charset="0"/>
-                <a:ea typeface="Tahoma" panose="020B0604030504040204" pitchFamily="34" charset="0"/>
-                <a:cs typeface="Tahoma" panose="020B0604030504040204" pitchFamily="34" charset="0"/>
-              </a:rPr>
-              <a:t>gian </a:t>
-            </a:r>
-            <a:r>
-              <a:rPr lang="en-US" dirty="0" smtClean="0">
-                <a:latin typeface="Tahoma" panose="020B0604030504040204" pitchFamily="34" charset="0"/>
-                <a:ea typeface="Tahoma" panose="020B0604030504040204" pitchFamily="34" charset="0"/>
-                <a:cs typeface="Tahoma" panose="020B0604030504040204" pitchFamily="34" charset="0"/>
-              </a:rPr>
-              <a:t>và khó khăn</a:t>
+              <a:t>gian và khó khăn</a:t>
             </a:r>
           </a:p>
           <a:p>
@@ -7238,11 +10673,6 @@
               </a:rPr>
               <a:t>CSS ở footer overide CSS ở header</a:t>
             </a:r>
-            <a:endParaRPr lang="en-US" sz="1800" dirty="0" smtClean="0">
-              <a:latin typeface="Tahoma" panose="020B0604030504040204" pitchFamily="34" charset="0"/>
-              <a:ea typeface="Tahoma" panose="020B0604030504040204" pitchFamily="34" charset="0"/>
-              <a:cs typeface="Tahoma" panose="020B0604030504040204" pitchFamily="34" charset="0"/>
-            </a:endParaRPr>
           </a:p>
         </p:txBody>
       </p:sp>
